--- a/ex1/results/ex1_präsentation.pptx
+++ b/ex1/results/ex1_präsentation.pptx
@@ -5,14 +5,15 @@
     <p:sldMasterId id="2147483660" r:id="rId1"/>
   </p:sldMasterIdLst>
   <p:notesMasterIdLst>
-    <p:notesMasterId r:id="rId7"/>
+    <p:notesMasterId r:id="rId8"/>
   </p:notesMasterIdLst>
   <p:sldIdLst>
     <p:sldId id="257" r:id="rId2"/>
     <p:sldId id="258" r:id="rId3"/>
-    <p:sldId id="259" r:id="rId4"/>
-    <p:sldId id="260" r:id="rId5"/>
-    <p:sldId id="261" r:id="rId6"/>
+    <p:sldId id="262" r:id="rId4"/>
+    <p:sldId id="259" r:id="rId5"/>
+    <p:sldId id="260" r:id="rId6"/>
+    <p:sldId id="261" r:id="rId7"/>
   </p:sldIdLst>
   <p:sldSz cx="9144000" cy="6858000" type="screen4x3"/>
   <p:notesSz cx="6858000" cy="9144000"/>
@@ -201,7 +202,7 @@
           <a:p>
             <a:fld id="{BDF91827-DB47-4308-8B55-B709B19351C8}" type="datetimeFigureOut">
               <a:rPr lang="de-DE" smtClean="0"/>
-              <a:t>28.04.2015</a:t>
+              <a:t>01.05.2015</a:t>
             </a:fld>
             <a:endParaRPr lang="de-DE"/>
           </a:p>
@@ -726,7 +727,7 @@
     </p:spTree>
     <p:extLst>
       <p:ext uri="{BB962C8B-B14F-4D97-AF65-F5344CB8AC3E}">
-        <p14:creationId xmlns:p14="http://schemas.microsoft.com/office/powerpoint/2010/main" val="4154105596"/>
+        <p14:creationId xmlns:p14="http://schemas.microsoft.com/office/powerpoint/2010/main" val="9892634"/>
       </p:ext>
     </p:extLst>
   </p:cSld>
@@ -815,7 +816,7 @@
     </p:spTree>
     <p:extLst>
       <p:ext uri="{BB962C8B-B14F-4D97-AF65-F5344CB8AC3E}">
-        <p14:creationId xmlns:p14="http://schemas.microsoft.com/office/powerpoint/2010/main" val="3539950460"/>
+        <p14:creationId xmlns:p14="http://schemas.microsoft.com/office/powerpoint/2010/main" val="4154105596"/>
       </p:ext>
     </p:extLst>
   </p:cSld>
@@ -896,6 +897,95 @@
             <a:fld id="{66661D53-738D-4273-B7A0-3984D0D2E5B2}" type="slidenum">
               <a:rPr lang="de-DE" smtClean="0"/>
               <a:t>5</a:t>
+            </a:fld>
+            <a:endParaRPr lang="de-DE"/>
+          </a:p>
+        </p:txBody>
+      </p:sp>
+    </p:spTree>
+    <p:extLst>
+      <p:ext uri="{BB962C8B-B14F-4D97-AF65-F5344CB8AC3E}">
+        <p14:creationId xmlns:p14="http://schemas.microsoft.com/office/powerpoint/2010/main" val="3539950460"/>
+      </p:ext>
+    </p:extLst>
+  </p:cSld>
+  <p:clrMapOvr>
+    <a:masterClrMapping/>
+  </p:clrMapOvr>
+</p:notes>
+</file>
+
+<file path=ppt/notesSlides/notesSlide6.xml><?xml version="1.0" encoding="utf-8"?>
+<p:notes xmlns:a="http://schemas.openxmlformats.org/drawingml/2006/main" xmlns:r="http://schemas.openxmlformats.org/officeDocument/2006/relationships" xmlns:p="http://schemas.openxmlformats.org/presentationml/2006/main">
+  <p:cSld>
+    <p:spTree>
+      <p:nvGrpSpPr>
+        <p:cNvPr id="1" name=""/>
+        <p:cNvGrpSpPr/>
+        <p:nvPr/>
+      </p:nvGrpSpPr>
+      <p:grpSpPr>
+        <a:xfrm>
+          <a:off x="0" y="0"/>
+          <a:ext cx="0" cy="0"/>
+          <a:chOff x="0" y="0"/>
+          <a:chExt cx="0" cy="0"/>
+        </a:xfrm>
+      </p:grpSpPr>
+      <p:sp>
+        <p:nvSpPr>
+          <p:cNvPr id="2" name="Folienbildplatzhalter 1"/>
+          <p:cNvSpPr>
+            <a:spLocks noGrp="1" noRot="1" noChangeAspect="1"/>
+          </p:cNvSpPr>
+          <p:nvPr>
+            <p:ph type="sldImg"/>
+          </p:nvPr>
+        </p:nvSpPr>
+        <p:spPr>
+          <a:xfrm>
+            <a:off x="1371600" y="1143000"/>
+            <a:ext cx="4114800" cy="3086100"/>
+          </a:xfrm>
+        </p:spPr>
+      </p:sp>
+      <p:sp>
+        <p:nvSpPr>
+          <p:cNvPr id="3" name="Notizenplatzhalter 2"/>
+          <p:cNvSpPr>
+            <a:spLocks noGrp="1"/>
+          </p:cNvSpPr>
+          <p:nvPr>
+            <p:ph type="body" idx="1"/>
+          </p:nvPr>
+        </p:nvSpPr>
+        <p:spPr/>
+        <p:txBody>
+          <a:bodyPr/>
+          <a:lstStyle/>
+          <a:p>
+            <a:endParaRPr lang="de-DE"/>
+          </a:p>
+        </p:txBody>
+      </p:sp>
+      <p:sp>
+        <p:nvSpPr>
+          <p:cNvPr id="4" name="Foliennummernplatzhalter 3"/>
+          <p:cNvSpPr>
+            <a:spLocks noGrp="1"/>
+          </p:cNvSpPr>
+          <p:nvPr>
+            <p:ph type="sldNum" sz="quarter" idx="10"/>
+          </p:nvPr>
+        </p:nvSpPr>
+        <p:spPr/>
+        <p:txBody>
+          <a:bodyPr/>
+          <a:lstStyle/>
+          <a:p>
+            <a:fld id="{66661D53-738D-4273-B7A0-3984D0D2E5B2}" type="slidenum">
+              <a:rPr lang="de-DE" smtClean="0"/>
+              <a:t>6</a:t>
             </a:fld>
             <a:endParaRPr lang="de-DE"/>
           </a:p>
@@ -1045,7 +1135,7 @@
           <a:p>
             <a:fld id="{9C33B4D5-E8D4-4C84-A0DF-7448EE402B22}" type="datetime1">
               <a:rPr lang="de-DE" smtClean="0"/>
-              <a:t>28.04.2015</a:t>
+              <a:t>01.05.2015</a:t>
             </a:fld>
             <a:endParaRPr lang="de-DE"/>
           </a:p>
@@ -1215,7 +1305,7 @@
           <a:p>
             <a:fld id="{E48E646B-B782-4EEB-A109-90A56E4DF0B2}" type="datetime1">
               <a:rPr lang="de-DE" smtClean="0"/>
-              <a:t>28.04.2015</a:t>
+              <a:t>01.05.2015</a:t>
             </a:fld>
             <a:endParaRPr lang="de-DE"/>
           </a:p>
@@ -1395,7 +1485,7 @@
           <a:p>
             <a:fld id="{9EFF43D6-13AF-40E7-84E1-41A4BD989335}" type="datetime1">
               <a:rPr lang="de-DE" smtClean="0"/>
-              <a:t>28.04.2015</a:t>
+              <a:t>01.05.2015</a:t>
             </a:fld>
             <a:endParaRPr lang="de-DE"/>
           </a:p>
@@ -1565,7 +1655,7 @@
           <a:p>
             <a:fld id="{61E33749-EB1F-4D10-9555-909FDE0665F9}" type="datetime1">
               <a:rPr lang="de-DE" smtClean="0"/>
-              <a:t>28.04.2015</a:t>
+              <a:t>01.05.2015</a:t>
             </a:fld>
             <a:endParaRPr lang="de-DE"/>
           </a:p>
@@ -1809,7 +1899,7 @@
           <a:p>
             <a:fld id="{7327C620-995D-4361-82C8-FFE89A50B6B6}" type="datetime1">
               <a:rPr lang="de-DE" smtClean="0"/>
-              <a:t>28.04.2015</a:t>
+              <a:t>01.05.2015</a:t>
             </a:fld>
             <a:endParaRPr lang="de-DE"/>
           </a:p>
@@ -2041,7 +2131,7 @@
           <a:p>
             <a:fld id="{37A9A353-D588-4EE9-9121-EB475D958AF3}" type="datetime1">
               <a:rPr lang="de-DE" smtClean="0"/>
-              <a:t>28.04.2015</a:t>
+              <a:t>01.05.2015</a:t>
             </a:fld>
             <a:endParaRPr lang="de-DE"/>
           </a:p>
@@ -2408,7 +2498,7 @@
           <a:p>
             <a:fld id="{5DC2858D-D233-48A5-8AAB-83027872D368}" type="datetime1">
               <a:rPr lang="de-DE" smtClean="0"/>
-              <a:t>28.04.2015</a:t>
+              <a:t>01.05.2015</a:t>
             </a:fld>
             <a:endParaRPr lang="de-DE"/>
           </a:p>
@@ -2526,7 +2616,7 @@
           <a:p>
             <a:fld id="{9ADE245B-0426-4098-BEDF-814186BDB8DF}" type="datetime1">
               <a:rPr lang="de-DE" smtClean="0"/>
-              <a:t>28.04.2015</a:t>
+              <a:t>01.05.2015</a:t>
             </a:fld>
             <a:endParaRPr lang="de-DE"/>
           </a:p>
@@ -2621,7 +2711,7 @@
           <a:p>
             <a:fld id="{F193EDA9-7A55-41BC-93CA-C1D5D6645397}" type="datetime1">
               <a:rPr lang="de-DE" smtClean="0"/>
-              <a:t>28.04.2015</a:t>
+              <a:t>01.05.2015</a:t>
             </a:fld>
             <a:endParaRPr lang="de-DE"/>
           </a:p>
@@ -2898,7 +2988,7 @@
           <a:p>
             <a:fld id="{F6E4E446-A80D-4810-B56C-9900A453E3DF}" type="datetime1">
               <a:rPr lang="de-DE" smtClean="0"/>
-              <a:t>28.04.2015</a:t>
+              <a:t>01.05.2015</a:t>
             </a:fld>
             <a:endParaRPr lang="de-DE"/>
           </a:p>
@@ -3155,7 +3245,7 @@
           <a:p>
             <a:fld id="{56BEA13F-AD9E-4E7A-9052-15B9C68D8265}" type="datetime1">
               <a:rPr lang="de-DE" smtClean="0"/>
-              <a:t>28.04.2015</a:t>
+              <a:t>01.05.2015</a:t>
             </a:fld>
             <a:endParaRPr lang="de-DE"/>
           </a:p>
@@ -3368,7 +3458,7 @@
           <a:p>
             <a:fld id="{7B007D7C-4CFC-486E-95A1-DC2D37766A7B}" type="datetime1">
               <a:rPr lang="de-DE" smtClean="0"/>
-              <a:t>28.04.2015</a:t>
+              <a:t>01.05.2015</a:t>
             </a:fld>
             <a:endParaRPr lang="de-DE"/>
           </a:p>
@@ -3919,7 +4009,7 @@
           <p:nvPr/>
         </p:nvPicPr>
         <p:blipFill>
-          <a:blip r:embed="rId3" cstate="print"/>
+          <a:blip r:embed="rId4" cstate="print"/>
           <a:srcRect/>
           <a:stretch>
             <a:fillRect/>
@@ -3953,7 +4043,7 @@
           <a:p>
             <a:fld id="{D39B93D3-AA18-4D2F-93EC-56712FB7A759}" type="datetime1">
               <a:rPr lang="de-DE" smtClean="0"/>
-              <a:t>28.04.2015</a:t>
+              <a:t>01.05.2015</a:t>
             </a:fld>
             <a:endParaRPr lang="de-DE"/>
           </a:p>
@@ -4076,6 +4166,93 @@
           </a:p>
         </p:txBody>
       </p:sp>
+      <p:graphicFrame>
+        <p:nvGraphicFramePr>
+          <p:cNvPr id="2" name="Objekt 1"/>
+          <p:cNvGraphicFramePr>
+            <a:graphicFrameLocks noChangeAspect="1"/>
+          </p:cNvGraphicFramePr>
+          <p:nvPr>
+            <p:extLst>
+              <p:ext uri="{D42A27DB-BD31-4B8C-83A1-F6EECF244321}">
+                <p14:modId xmlns:p14="http://schemas.microsoft.com/office/powerpoint/2010/main" val="2735356860"/>
+              </p:ext>
+            </p:extLst>
+          </p:nvPr>
+        </p:nvGraphicFramePr>
+        <p:xfrm>
+          <a:off x="321759" y="2819946"/>
+          <a:ext cx="8077213" cy="2468884"/>
+        </p:xfrm>
+        <a:graphic>
+          <a:graphicData uri="http://schemas.openxmlformats.org/presentationml/2006/ole">
+            <mc:AlternateContent xmlns:mc="http://schemas.openxmlformats.org/markup-compatibility/2006">
+              <mc:Choice xmlns:v="urn:schemas-microsoft-com:vml" Requires="v">
+                <p:oleObj spid="_x0000_s2052" name="Acrobat Document" r:id="rId5" imgW="5048242" imgH="1542919" progId="AcroExch.Document.11">
+                  <p:embed/>
+                </p:oleObj>
+              </mc:Choice>
+              <mc:Fallback>
+                <p:oleObj name="Acrobat Document" r:id="rId5" imgW="5048242" imgH="1542919" progId="AcroExch.Document.11">
+                  <p:embed/>
+                  <p:pic>
+                    <p:nvPicPr>
+                      <p:cNvPr id="0" name=""/>
+                      <p:cNvPicPr/>
+                      <p:nvPr/>
+                    </p:nvPicPr>
+                    <p:blipFill>
+                      <a:blip r:embed="rId6"/>
+                      <a:stretch>
+                        <a:fillRect/>
+                      </a:stretch>
+                    </p:blipFill>
+                    <p:spPr>
+                      <a:xfrm>
+                        <a:off x="321759" y="2819946"/>
+                        <a:ext cx="8077213" cy="2468884"/>
+                      </a:xfrm>
+                      <a:prstGeom prst="rect">
+                        <a:avLst/>
+                      </a:prstGeom>
+                    </p:spPr>
+                  </p:pic>
+                </p:oleObj>
+              </mc:Fallback>
+            </mc:AlternateContent>
+          </a:graphicData>
+        </a:graphic>
+      </p:graphicFrame>
+      <p:sp>
+        <p:nvSpPr>
+          <p:cNvPr id="3" name="Textfeld 2"/>
+          <p:cNvSpPr txBox="1"/>
+          <p:nvPr/>
+        </p:nvSpPr>
+        <p:spPr>
+          <a:xfrm>
+            <a:off x="465512" y="1459724"/>
+            <a:ext cx="8212975" cy="646331"/>
+          </a:xfrm>
+          <a:prstGeom prst="rect">
+            <a:avLst/>
+          </a:prstGeom>
+          <a:noFill/>
+        </p:spPr>
+        <p:txBody>
+          <a:bodyPr wrap="square" rtlCol="0">
+            <a:spAutoFit/>
+          </a:bodyPr>
+          <a:lstStyle/>
+          <a:p>
+            <a:r>
+              <a:rPr lang="de-DE" dirty="0" smtClean="0"/>
+              <a:t>Web-Mining Anwendung die eine Hunderasse entgegen nimmt und diese nach der Meinung des Webs klassifiziert</a:t>
+            </a:r>
+            <a:endParaRPr lang="de-DE" dirty="0"/>
+          </a:p>
+        </p:txBody>
+      </p:sp>
     </p:spTree>
     <p:extLst>
       <p:ext uri="{BB962C8B-B14F-4D97-AF65-F5344CB8AC3E}">
@@ -4086,6 +4263,13 @@
   <p:clrMapOvr>
     <a:masterClrMapping/>
   </p:clrMapOvr>
+  <p:timing>
+    <p:tnLst>
+      <p:par>
+        <p:cTn id="1" dur="indefinite" restart="never" nodeType="tmRoot"/>
+      </p:par>
+    </p:tnLst>
+  </p:timing>
 </p:sld>
 </file>
 
@@ -4285,7 +4469,7 @@
           <a:p>
             <a:fld id="{D39B93D3-AA18-4D2F-93EC-56712FB7A759}" type="datetime1">
               <a:rPr lang="de-DE" smtClean="0"/>
-              <a:t>28.04.2015</a:t>
+              <a:t>01.05.2015</a:t>
             </a:fld>
             <a:endParaRPr lang="de-DE"/>
           </a:p>
@@ -4412,8 +4596,8 @@
         </p:nvSpPr>
         <p:spPr>
           <a:xfrm>
-            <a:off x="152400" y="4969369"/>
-            <a:ext cx="8839200" cy="1200329"/>
+            <a:off x="203200" y="1505875"/>
+            <a:ext cx="8839200" cy="2031325"/>
           </a:xfrm>
           <a:prstGeom prst="rect">
             <a:avLst/>
@@ -4426,13 +4610,112 @@
           </a:bodyPr>
           <a:lstStyle/>
           <a:p>
+            <a:pPr lvl="0"/>
+            <a:r>
+              <a:rPr lang="de-DE" dirty="0"/>
+              <a:t>Die 30 am häufigsten Vorkommenden </a:t>
+            </a:r>
             <a:r>
               <a:rPr lang="de-DE" dirty="0" smtClean="0"/>
-              <a:t>Die </a:t>
+              <a:t>Worte </a:t>
+            </a:r>
+          </a:p>
+          <a:p>
+            <a:pPr lvl="0"/>
+            <a:r>
+              <a:rPr lang="de-DE" dirty="0" smtClean="0"/>
+              <a:t>sind </a:t>
             </a:r>
             <a:r>
               <a:rPr lang="de-DE" dirty="0"/>
-              <a:t>30 am häufigsten Vorkommenden Worte sind bei den Texten fast identisch, somit würden die Texte bei einer Klassifizierung über die 30 häufigsten Worte wahrscheinlich fast alle Texte einer Klasse zuordnen. Somit sollten diese für eine Klassifizierung ignoriert werden. Dies geschieht mit Hilfe von </a:t>
+              <a:t>bei den Texten ähnlich, </a:t>
+            </a:r>
+            <a:r>
+              <a:rPr lang="de-DE" dirty="0" smtClean="0"/>
+              <a:t>somit </a:t>
+            </a:r>
+            <a:r>
+              <a:rPr lang="de-DE" dirty="0"/>
+              <a:t>würden die Texte </a:t>
+            </a:r>
+            <a:endParaRPr lang="de-DE" dirty="0" smtClean="0"/>
+          </a:p>
+          <a:p>
+            <a:pPr lvl="0"/>
+            <a:r>
+              <a:rPr lang="de-DE" dirty="0" smtClean="0"/>
+              <a:t>bei </a:t>
+            </a:r>
+            <a:r>
+              <a:rPr lang="de-DE" dirty="0"/>
+              <a:t>einer </a:t>
+            </a:r>
+            <a:r>
+              <a:rPr lang="de-DE" dirty="0" smtClean="0"/>
+              <a:t>Klassifizierung </a:t>
+            </a:r>
+            <a:r>
+              <a:rPr lang="de-DE" dirty="0"/>
+              <a:t>über die 30 häufigsten </a:t>
+            </a:r>
+            <a:endParaRPr lang="de-DE" dirty="0" smtClean="0"/>
+          </a:p>
+          <a:p>
+            <a:pPr lvl="0"/>
+            <a:r>
+              <a:rPr lang="de-DE" dirty="0" smtClean="0"/>
+              <a:t>Worte </a:t>
+            </a:r>
+            <a:r>
+              <a:rPr lang="de-DE" dirty="0"/>
+              <a:t>wahrscheinlich fast alle Texte </a:t>
+            </a:r>
+            <a:r>
+              <a:rPr lang="de-DE" dirty="0" smtClean="0"/>
+              <a:t>einer </a:t>
+            </a:r>
+            <a:r>
+              <a:rPr lang="de-DE" dirty="0"/>
+              <a:t>Klasse zuordnen. </a:t>
+            </a:r>
+            <a:endParaRPr lang="de-DE" dirty="0" smtClean="0"/>
+          </a:p>
+          <a:p>
+            <a:pPr lvl="0"/>
+            <a:r>
+              <a:rPr lang="de-DE" dirty="0" smtClean="0"/>
+              <a:t>21 der </a:t>
+            </a:r>
+            <a:r>
+              <a:rPr lang="de-DE" dirty="0"/>
+              <a:t>30 Worte kommen in beiden unter den Top 30. </a:t>
+            </a:r>
+            <a:endParaRPr lang="de-DE" dirty="0" smtClean="0"/>
+          </a:p>
+          <a:p>
+            <a:pPr lvl="0"/>
+            <a:r>
+              <a:rPr lang="de-DE" dirty="0" smtClean="0"/>
+              <a:t>Somit </a:t>
+            </a:r>
+            <a:r>
+              <a:rPr lang="de-DE" dirty="0"/>
+              <a:t>sollten diese für eine Klassifizierung ignoriert werden</a:t>
+            </a:r>
+            <a:r>
+              <a:rPr lang="de-DE" dirty="0" smtClean="0"/>
+              <a:t>.</a:t>
+            </a:r>
+          </a:p>
+          <a:p>
+            <a:pPr lvl="0"/>
+            <a:r>
+              <a:rPr lang="de-DE" dirty="0" smtClean="0"/>
+              <a:t>Dies </a:t>
+            </a:r>
+            <a:r>
+              <a:rPr lang="de-DE" dirty="0"/>
+              <a:t>geschieht mit Hilfe von </a:t>
             </a:r>
             <a:r>
               <a:rPr lang="de-DE" dirty="0" err="1"/>
@@ -4445,6 +4728,2388 @@
           </a:p>
         </p:txBody>
       </p:sp>
+      <p:graphicFrame>
+        <p:nvGraphicFramePr>
+          <p:cNvPr id="3" name="Tabelle 2"/>
+          <p:cNvGraphicFramePr>
+            <a:graphicFrameLocks noGrp="1"/>
+          </p:cNvGraphicFramePr>
+          <p:nvPr>
+            <p:extLst>
+              <p:ext uri="{D42A27DB-BD31-4B8C-83A1-F6EECF244321}">
+                <p14:modId xmlns:p14="http://schemas.microsoft.com/office/powerpoint/2010/main" val="1705306942"/>
+              </p:ext>
+            </p:extLst>
+          </p:nvPr>
+        </p:nvGraphicFramePr>
+        <p:xfrm>
+          <a:off x="5972350" y="1505875"/>
+          <a:ext cx="3001583" cy="4376997"/>
+        </p:xfrm>
+        <a:graphic>
+          <a:graphicData uri="http://schemas.openxmlformats.org/drawingml/2006/table">
+            <a:tbl>
+              <a:tblPr firstRow="1" firstCol="1" bandRow="1">
+                <a:tableStyleId>{5C22544A-7EE6-4342-B048-85BDC9FD1C3A}</a:tableStyleId>
+              </a:tblPr>
+              <a:tblGrid>
+                <a:gridCol w="1500543"/>
+                <a:gridCol w="1501040"/>
+              </a:tblGrid>
+              <a:tr h="101408">
+                <a:tc>
+                  <a:txBody>
+                    <a:bodyPr/>
+                    <a:lstStyle/>
+                    <a:p>
+                      <a:pPr>
+                        <a:lnSpc>
+                          <a:spcPct val="107000"/>
+                        </a:lnSpc>
+                        <a:spcAft>
+                          <a:spcPts val="0"/>
+                        </a:spcAft>
+                      </a:pPr>
+                      <a:r>
+                        <a:rPr lang="de-DE" sz="900" dirty="0">
+                          <a:effectLst/>
+                        </a:rPr>
+                        <a:t>Text Geschwister</a:t>
+                      </a:r>
+                      <a:endParaRPr lang="de-DE" sz="900" dirty="0">
+                        <a:effectLst/>
+                        <a:latin typeface="Calibri" panose="020F0502020204030204" pitchFamily="34" charset="0"/>
+                        <a:ea typeface="Calibri" panose="020F0502020204030204" pitchFamily="34" charset="0"/>
+                        <a:cs typeface="Times New Roman" panose="02020603050405020304" pitchFamily="18" charset="0"/>
+                      </a:endParaRPr>
+                    </a:p>
+                  </a:txBody>
+                  <a:tcPr marL="53662" marR="53662" marT="0" marB="0"/>
+                </a:tc>
+                <a:tc>
+                  <a:txBody>
+                    <a:bodyPr/>
+                    <a:lstStyle/>
+                    <a:p>
+                      <a:pPr>
+                        <a:lnSpc>
+                          <a:spcPct val="107000"/>
+                        </a:lnSpc>
+                        <a:spcAft>
+                          <a:spcPts val="0"/>
+                        </a:spcAft>
+                      </a:pPr>
+                      <a:r>
+                        <a:rPr lang="de-DE" sz="900" dirty="0">
+                          <a:effectLst/>
+                        </a:rPr>
+                        <a:t>Text </a:t>
+                      </a:r>
+                      <a:r>
+                        <a:rPr lang="de-DE" sz="900" dirty="0" err="1">
+                          <a:effectLst/>
+                        </a:rPr>
+                        <a:t>Jederman</a:t>
+                      </a:r>
+                      <a:endParaRPr lang="de-DE" sz="900" dirty="0">
+                        <a:effectLst/>
+                        <a:latin typeface="Calibri" panose="020F0502020204030204" pitchFamily="34" charset="0"/>
+                        <a:ea typeface="Calibri" panose="020F0502020204030204" pitchFamily="34" charset="0"/>
+                        <a:cs typeface="Times New Roman" panose="02020603050405020304" pitchFamily="18" charset="0"/>
+                      </a:endParaRPr>
+                    </a:p>
+                  </a:txBody>
+                  <a:tcPr marL="53662" marR="53662" marT="0" marB="0">
+                    <a:solidFill>
+                      <a:schemeClr val="tx2"/>
+                    </a:solidFill>
+                  </a:tcPr>
+                </a:tc>
+              </a:tr>
+              <a:tr h="101408">
+                <a:tc>
+                  <a:txBody>
+                    <a:bodyPr/>
+                    <a:lstStyle/>
+                    <a:p>
+                      <a:pPr>
+                        <a:lnSpc>
+                          <a:spcPct val="107000"/>
+                        </a:lnSpc>
+                        <a:spcAft>
+                          <a:spcPts val="0"/>
+                        </a:spcAft>
+                      </a:pPr>
+                      <a:r>
+                        <a:rPr lang="de-DE" sz="900" dirty="0">
+                          <a:solidFill>
+                            <a:srgbClr val="FF0000"/>
+                          </a:solidFill>
+                          <a:effectLst/>
+                        </a:rPr>
+                        <a:t>ich</a:t>
+                      </a:r>
+                      <a:endParaRPr lang="de-DE" sz="900" dirty="0">
+                        <a:solidFill>
+                          <a:srgbClr val="FF0000"/>
+                        </a:solidFill>
+                        <a:effectLst/>
+                        <a:latin typeface="Calibri" panose="020F0502020204030204" pitchFamily="34" charset="0"/>
+                        <a:ea typeface="Calibri" panose="020F0502020204030204" pitchFamily="34" charset="0"/>
+                        <a:cs typeface="Times New Roman" panose="02020603050405020304" pitchFamily="18" charset="0"/>
+                      </a:endParaRPr>
+                    </a:p>
+                  </a:txBody>
+                  <a:tcPr marL="53662" marR="53662" marT="0" marB="0" anchor="b"/>
+                </a:tc>
+                <a:tc>
+                  <a:txBody>
+                    <a:bodyPr/>
+                    <a:lstStyle/>
+                    <a:p>
+                      <a:pPr>
+                        <a:lnSpc>
+                          <a:spcPct val="107000"/>
+                        </a:lnSpc>
+                        <a:spcAft>
+                          <a:spcPts val="0"/>
+                        </a:spcAft>
+                      </a:pPr>
+                      <a:r>
+                        <a:rPr lang="de-DE" sz="900" dirty="0">
+                          <a:solidFill>
+                            <a:srgbClr val="FF0000"/>
+                          </a:solidFill>
+                          <a:effectLst/>
+                        </a:rPr>
+                        <a:t>und</a:t>
+                      </a:r>
+                      <a:endParaRPr lang="de-DE" sz="900" dirty="0">
+                        <a:solidFill>
+                          <a:srgbClr val="FF0000"/>
+                        </a:solidFill>
+                        <a:effectLst/>
+                        <a:latin typeface="Calibri" panose="020F0502020204030204" pitchFamily="34" charset="0"/>
+                        <a:ea typeface="Calibri" panose="020F0502020204030204" pitchFamily="34" charset="0"/>
+                        <a:cs typeface="Times New Roman" panose="02020603050405020304" pitchFamily="18" charset="0"/>
+                      </a:endParaRPr>
+                    </a:p>
+                  </a:txBody>
+                  <a:tcPr marL="53662" marR="53662" marT="0" marB="0" anchor="b">
+                    <a:solidFill>
+                      <a:schemeClr val="tx2"/>
+                    </a:solidFill>
+                  </a:tcPr>
+                </a:tc>
+              </a:tr>
+              <a:tr h="101408">
+                <a:tc>
+                  <a:txBody>
+                    <a:bodyPr/>
+                    <a:lstStyle/>
+                    <a:p>
+                      <a:pPr>
+                        <a:lnSpc>
+                          <a:spcPct val="107000"/>
+                        </a:lnSpc>
+                        <a:spcAft>
+                          <a:spcPts val="0"/>
+                        </a:spcAft>
+                      </a:pPr>
+                      <a:r>
+                        <a:rPr lang="de-DE" sz="900" dirty="0">
+                          <a:solidFill>
+                            <a:srgbClr val="FF0000"/>
+                          </a:solidFill>
+                          <a:effectLst/>
+                        </a:rPr>
+                        <a:t>und</a:t>
+                      </a:r>
+                      <a:endParaRPr lang="de-DE" sz="900" dirty="0">
+                        <a:solidFill>
+                          <a:srgbClr val="FF0000"/>
+                        </a:solidFill>
+                        <a:effectLst/>
+                        <a:latin typeface="Calibri" panose="020F0502020204030204" pitchFamily="34" charset="0"/>
+                        <a:ea typeface="Calibri" panose="020F0502020204030204" pitchFamily="34" charset="0"/>
+                        <a:cs typeface="Times New Roman" panose="02020603050405020304" pitchFamily="18" charset="0"/>
+                      </a:endParaRPr>
+                    </a:p>
+                  </a:txBody>
+                  <a:tcPr marL="53662" marR="53662" marT="0" marB="0" anchor="b"/>
+                </a:tc>
+                <a:tc>
+                  <a:txBody>
+                    <a:bodyPr/>
+                    <a:lstStyle/>
+                    <a:p>
+                      <a:pPr>
+                        <a:lnSpc>
+                          <a:spcPct val="107000"/>
+                        </a:lnSpc>
+                        <a:spcAft>
+                          <a:spcPts val="0"/>
+                        </a:spcAft>
+                      </a:pPr>
+                      <a:r>
+                        <a:rPr lang="de-DE" sz="900" dirty="0">
+                          <a:solidFill>
+                            <a:srgbClr val="FF0000"/>
+                          </a:solidFill>
+                          <a:effectLst/>
+                        </a:rPr>
+                        <a:t>Ich</a:t>
+                      </a:r>
+                      <a:endParaRPr lang="de-DE" sz="900" dirty="0">
+                        <a:solidFill>
+                          <a:srgbClr val="FF0000"/>
+                        </a:solidFill>
+                        <a:effectLst/>
+                        <a:latin typeface="Calibri" panose="020F0502020204030204" pitchFamily="34" charset="0"/>
+                        <a:ea typeface="Calibri" panose="020F0502020204030204" pitchFamily="34" charset="0"/>
+                        <a:cs typeface="Times New Roman" panose="02020603050405020304" pitchFamily="18" charset="0"/>
+                      </a:endParaRPr>
+                    </a:p>
+                  </a:txBody>
+                  <a:tcPr marL="53662" marR="53662" marT="0" marB="0" anchor="b">
+                    <a:solidFill>
+                      <a:schemeClr val="tx2"/>
+                    </a:solidFill>
+                  </a:tcPr>
+                </a:tc>
+              </a:tr>
+              <a:tr h="168837">
+                <a:tc>
+                  <a:txBody>
+                    <a:bodyPr/>
+                    <a:lstStyle/>
+                    <a:p>
+                      <a:pPr>
+                        <a:lnSpc>
+                          <a:spcPct val="107000"/>
+                        </a:lnSpc>
+                        <a:spcAft>
+                          <a:spcPts val="0"/>
+                        </a:spcAft>
+                      </a:pPr>
+                      <a:r>
+                        <a:rPr lang="de-DE" sz="900" dirty="0">
+                          <a:solidFill>
+                            <a:schemeClr val="bg1"/>
+                          </a:solidFill>
+                          <a:effectLst/>
+                        </a:rPr>
+                        <a:t>nicht</a:t>
+                      </a:r>
+                      <a:endParaRPr lang="de-DE" sz="900" dirty="0">
+                        <a:solidFill>
+                          <a:schemeClr val="bg1"/>
+                        </a:solidFill>
+                        <a:effectLst/>
+                        <a:latin typeface="Calibri" panose="020F0502020204030204" pitchFamily="34" charset="0"/>
+                        <a:ea typeface="Calibri" panose="020F0502020204030204" pitchFamily="34" charset="0"/>
+                        <a:cs typeface="Times New Roman" panose="02020603050405020304" pitchFamily="18" charset="0"/>
+                      </a:endParaRPr>
+                    </a:p>
+                  </a:txBody>
+                  <a:tcPr marL="53662" marR="53662" marT="0" marB="0" anchor="b"/>
+                </a:tc>
+                <a:tc>
+                  <a:txBody>
+                    <a:bodyPr/>
+                    <a:lstStyle/>
+                    <a:p>
+                      <a:pPr>
+                        <a:lnSpc>
+                          <a:spcPct val="107000"/>
+                        </a:lnSpc>
+                        <a:spcAft>
+                          <a:spcPts val="0"/>
+                        </a:spcAft>
+                      </a:pPr>
+                      <a:r>
+                        <a:rPr lang="de-DE" sz="900" dirty="0">
+                          <a:solidFill>
+                            <a:schemeClr val="bg1"/>
+                          </a:solidFill>
+                          <a:effectLst/>
+                        </a:rPr>
+                        <a:t>jedermann</a:t>
+                      </a:r>
+                      <a:endParaRPr lang="de-DE" sz="900" dirty="0">
+                        <a:solidFill>
+                          <a:schemeClr val="bg1"/>
+                        </a:solidFill>
+                        <a:effectLst/>
+                        <a:latin typeface="Calibri" panose="020F0502020204030204" pitchFamily="34" charset="0"/>
+                        <a:ea typeface="Calibri" panose="020F0502020204030204" pitchFamily="34" charset="0"/>
+                        <a:cs typeface="Times New Roman" panose="02020603050405020304" pitchFamily="18" charset="0"/>
+                      </a:endParaRPr>
+                    </a:p>
+                  </a:txBody>
+                  <a:tcPr marL="53662" marR="53662" marT="0" marB="0" anchor="b">
+                    <a:solidFill>
+                      <a:schemeClr val="tx2"/>
+                    </a:solidFill>
+                  </a:tcPr>
+                </a:tc>
+              </a:tr>
+              <a:tr h="101408">
+                <a:tc>
+                  <a:txBody>
+                    <a:bodyPr/>
+                    <a:lstStyle/>
+                    <a:p>
+                      <a:pPr>
+                        <a:lnSpc>
+                          <a:spcPct val="107000"/>
+                        </a:lnSpc>
+                        <a:spcAft>
+                          <a:spcPts val="0"/>
+                        </a:spcAft>
+                      </a:pPr>
+                      <a:r>
+                        <a:rPr lang="de-DE" sz="900" dirty="0">
+                          <a:solidFill>
+                            <a:srgbClr val="FF0000"/>
+                          </a:solidFill>
+                          <a:effectLst/>
+                        </a:rPr>
+                        <a:t>sie</a:t>
+                      </a:r>
+                      <a:endParaRPr lang="de-DE" sz="900" dirty="0">
+                        <a:solidFill>
+                          <a:srgbClr val="FF0000"/>
+                        </a:solidFill>
+                        <a:effectLst/>
+                        <a:latin typeface="Calibri" panose="020F0502020204030204" pitchFamily="34" charset="0"/>
+                        <a:ea typeface="Calibri" panose="020F0502020204030204" pitchFamily="34" charset="0"/>
+                        <a:cs typeface="Times New Roman" panose="02020603050405020304" pitchFamily="18" charset="0"/>
+                      </a:endParaRPr>
+                    </a:p>
+                  </a:txBody>
+                  <a:tcPr marL="53662" marR="53662" marT="0" marB="0" anchor="b"/>
+                </a:tc>
+                <a:tc>
+                  <a:txBody>
+                    <a:bodyPr/>
+                    <a:lstStyle/>
+                    <a:p>
+                      <a:pPr>
+                        <a:lnSpc>
+                          <a:spcPct val="107000"/>
+                        </a:lnSpc>
+                        <a:spcAft>
+                          <a:spcPts val="0"/>
+                        </a:spcAft>
+                      </a:pPr>
+                      <a:r>
+                        <a:rPr lang="de-DE" sz="900" dirty="0">
+                          <a:solidFill>
+                            <a:srgbClr val="FF0000"/>
+                          </a:solidFill>
+                          <a:effectLst/>
+                        </a:rPr>
+                        <a:t>Ist</a:t>
+                      </a:r>
+                      <a:endParaRPr lang="de-DE" sz="900" dirty="0">
+                        <a:solidFill>
+                          <a:srgbClr val="FF0000"/>
+                        </a:solidFill>
+                        <a:effectLst/>
+                        <a:latin typeface="Calibri" panose="020F0502020204030204" pitchFamily="34" charset="0"/>
+                        <a:ea typeface="Calibri" panose="020F0502020204030204" pitchFamily="34" charset="0"/>
+                        <a:cs typeface="Times New Roman" panose="02020603050405020304" pitchFamily="18" charset="0"/>
+                      </a:endParaRPr>
+                    </a:p>
+                  </a:txBody>
+                  <a:tcPr marL="53662" marR="53662" marT="0" marB="0" anchor="b">
+                    <a:solidFill>
+                      <a:schemeClr val="tx2"/>
+                    </a:solidFill>
+                  </a:tcPr>
+                </a:tc>
+              </a:tr>
+              <a:tr h="101408">
+                <a:tc>
+                  <a:txBody>
+                    <a:bodyPr/>
+                    <a:lstStyle/>
+                    <a:p>
+                      <a:pPr>
+                        <a:lnSpc>
+                          <a:spcPct val="107000"/>
+                        </a:lnSpc>
+                        <a:spcAft>
+                          <a:spcPts val="0"/>
+                        </a:spcAft>
+                      </a:pPr>
+                      <a:r>
+                        <a:rPr lang="de-DE" sz="900" dirty="0">
+                          <a:solidFill>
+                            <a:srgbClr val="FF0000"/>
+                          </a:solidFill>
+                          <a:effectLst/>
+                        </a:rPr>
+                        <a:t>Du</a:t>
+                      </a:r>
+                      <a:endParaRPr lang="de-DE" sz="900" dirty="0">
+                        <a:solidFill>
+                          <a:srgbClr val="FF0000"/>
+                        </a:solidFill>
+                        <a:effectLst/>
+                        <a:latin typeface="Calibri" panose="020F0502020204030204" pitchFamily="34" charset="0"/>
+                        <a:ea typeface="Calibri" panose="020F0502020204030204" pitchFamily="34" charset="0"/>
+                        <a:cs typeface="Times New Roman" panose="02020603050405020304" pitchFamily="18" charset="0"/>
+                      </a:endParaRPr>
+                    </a:p>
+                  </a:txBody>
+                  <a:tcPr marL="53662" marR="53662" marT="0" marB="0" anchor="b"/>
+                </a:tc>
+                <a:tc>
+                  <a:txBody>
+                    <a:bodyPr/>
+                    <a:lstStyle/>
+                    <a:p>
+                      <a:pPr>
+                        <a:lnSpc>
+                          <a:spcPct val="107000"/>
+                        </a:lnSpc>
+                        <a:spcAft>
+                          <a:spcPts val="0"/>
+                        </a:spcAft>
+                      </a:pPr>
+                      <a:r>
+                        <a:rPr lang="de-DE" sz="900">
+                          <a:solidFill>
+                            <a:srgbClr val="FF0000"/>
+                          </a:solidFill>
+                          <a:effectLst/>
+                        </a:rPr>
+                        <a:t>Die</a:t>
+                      </a:r>
+                      <a:endParaRPr lang="de-DE" sz="900">
+                        <a:solidFill>
+                          <a:srgbClr val="FF0000"/>
+                        </a:solidFill>
+                        <a:effectLst/>
+                        <a:latin typeface="Calibri" panose="020F0502020204030204" pitchFamily="34" charset="0"/>
+                        <a:ea typeface="Calibri" panose="020F0502020204030204" pitchFamily="34" charset="0"/>
+                        <a:cs typeface="Times New Roman" panose="02020603050405020304" pitchFamily="18" charset="0"/>
+                      </a:endParaRPr>
+                    </a:p>
+                  </a:txBody>
+                  <a:tcPr marL="53662" marR="53662" marT="0" marB="0" anchor="b">
+                    <a:solidFill>
+                      <a:schemeClr val="tx2"/>
+                    </a:solidFill>
+                  </a:tcPr>
+                </a:tc>
+              </a:tr>
+              <a:tr h="101408">
+                <a:tc>
+                  <a:txBody>
+                    <a:bodyPr/>
+                    <a:lstStyle/>
+                    <a:p>
+                      <a:pPr>
+                        <a:lnSpc>
+                          <a:spcPct val="107000"/>
+                        </a:lnSpc>
+                        <a:spcAft>
+                          <a:spcPts val="0"/>
+                        </a:spcAft>
+                      </a:pPr>
+                      <a:r>
+                        <a:rPr lang="de-DE" sz="900" dirty="0" err="1">
+                          <a:solidFill>
+                            <a:schemeClr val="bg1"/>
+                          </a:solidFill>
+                          <a:effectLst/>
+                        </a:rPr>
+                        <a:t>marianne</a:t>
+                      </a:r>
+                      <a:endParaRPr lang="de-DE" sz="900" dirty="0">
+                        <a:solidFill>
+                          <a:schemeClr val="bg1"/>
+                        </a:solidFill>
+                        <a:effectLst/>
+                        <a:latin typeface="Calibri" panose="020F0502020204030204" pitchFamily="34" charset="0"/>
+                        <a:ea typeface="Calibri" panose="020F0502020204030204" pitchFamily="34" charset="0"/>
+                        <a:cs typeface="Times New Roman" panose="02020603050405020304" pitchFamily="18" charset="0"/>
+                      </a:endParaRPr>
+                    </a:p>
+                  </a:txBody>
+                  <a:tcPr marL="53662" marR="53662" marT="0" marB="0" anchor="b"/>
+                </a:tc>
+                <a:tc>
+                  <a:txBody>
+                    <a:bodyPr/>
+                    <a:lstStyle/>
+                    <a:p>
+                      <a:pPr>
+                        <a:lnSpc>
+                          <a:spcPct val="107000"/>
+                        </a:lnSpc>
+                        <a:spcAft>
+                          <a:spcPts val="0"/>
+                        </a:spcAft>
+                      </a:pPr>
+                      <a:r>
+                        <a:rPr lang="de-DE" sz="900" dirty="0" err="1">
+                          <a:solidFill>
+                            <a:schemeClr val="bg1"/>
+                          </a:solidFill>
+                          <a:effectLst/>
+                        </a:rPr>
+                        <a:t>Nit</a:t>
+                      </a:r>
+                      <a:endParaRPr lang="de-DE" sz="900" dirty="0">
+                        <a:solidFill>
+                          <a:schemeClr val="bg1"/>
+                        </a:solidFill>
+                        <a:effectLst/>
+                        <a:latin typeface="Calibri" panose="020F0502020204030204" pitchFamily="34" charset="0"/>
+                        <a:ea typeface="Calibri" panose="020F0502020204030204" pitchFamily="34" charset="0"/>
+                        <a:cs typeface="Times New Roman" panose="02020603050405020304" pitchFamily="18" charset="0"/>
+                      </a:endParaRPr>
+                    </a:p>
+                  </a:txBody>
+                  <a:tcPr marL="53662" marR="53662" marT="0" marB="0" anchor="b">
+                    <a:solidFill>
+                      <a:schemeClr val="tx2"/>
+                    </a:solidFill>
+                  </a:tcPr>
+                </a:tc>
+              </a:tr>
+              <a:tr h="101408">
+                <a:tc>
+                  <a:txBody>
+                    <a:bodyPr/>
+                    <a:lstStyle/>
+                    <a:p>
+                      <a:pPr>
+                        <a:lnSpc>
+                          <a:spcPct val="107000"/>
+                        </a:lnSpc>
+                        <a:spcAft>
+                          <a:spcPts val="0"/>
+                        </a:spcAft>
+                      </a:pPr>
+                      <a:r>
+                        <a:rPr lang="de-DE" sz="900" dirty="0">
+                          <a:solidFill>
+                            <a:srgbClr val="FF0000"/>
+                          </a:solidFill>
+                          <a:effectLst/>
+                        </a:rPr>
+                        <a:t>Mir</a:t>
+                      </a:r>
+                      <a:endParaRPr lang="de-DE" sz="900" dirty="0">
+                        <a:solidFill>
+                          <a:srgbClr val="FF0000"/>
+                        </a:solidFill>
+                        <a:effectLst/>
+                        <a:latin typeface="Calibri" panose="020F0502020204030204" pitchFamily="34" charset="0"/>
+                        <a:ea typeface="Calibri" panose="020F0502020204030204" pitchFamily="34" charset="0"/>
+                        <a:cs typeface="Times New Roman" panose="02020603050405020304" pitchFamily="18" charset="0"/>
+                      </a:endParaRPr>
+                    </a:p>
+                  </a:txBody>
+                  <a:tcPr marL="53662" marR="53662" marT="0" marB="0" anchor="b"/>
+                </a:tc>
+                <a:tc>
+                  <a:txBody>
+                    <a:bodyPr/>
+                    <a:lstStyle/>
+                    <a:p>
+                      <a:pPr>
+                        <a:lnSpc>
+                          <a:spcPct val="107000"/>
+                        </a:lnSpc>
+                        <a:spcAft>
+                          <a:spcPts val="0"/>
+                        </a:spcAft>
+                      </a:pPr>
+                      <a:r>
+                        <a:rPr lang="de-DE" sz="900" dirty="0">
+                          <a:solidFill>
+                            <a:srgbClr val="FF0000"/>
+                          </a:solidFill>
+                          <a:effectLst/>
+                        </a:rPr>
+                        <a:t>Der</a:t>
+                      </a:r>
+                      <a:endParaRPr lang="de-DE" sz="900" dirty="0">
+                        <a:solidFill>
+                          <a:srgbClr val="FF0000"/>
+                        </a:solidFill>
+                        <a:effectLst/>
+                        <a:latin typeface="Calibri" panose="020F0502020204030204" pitchFamily="34" charset="0"/>
+                        <a:ea typeface="Calibri" panose="020F0502020204030204" pitchFamily="34" charset="0"/>
+                        <a:cs typeface="Times New Roman" panose="02020603050405020304" pitchFamily="18" charset="0"/>
+                      </a:endParaRPr>
+                    </a:p>
+                  </a:txBody>
+                  <a:tcPr marL="53662" marR="53662" marT="0" marB="0" anchor="b">
+                    <a:solidFill>
+                      <a:schemeClr val="tx2"/>
+                    </a:solidFill>
+                  </a:tcPr>
+                </a:tc>
+              </a:tr>
+              <a:tr h="101408">
+                <a:tc>
+                  <a:txBody>
+                    <a:bodyPr/>
+                    <a:lstStyle/>
+                    <a:p>
+                      <a:pPr>
+                        <a:lnSpc>
+                          <a:spcPct val="107000"/>
+                        </a:lnSpc>
+                        <a:spcAft>
+                          <a:spcPts val="0"/>
+                        </a:spcAft>
+                      </a:pPr>
+                      <a:r>
+                        <a:rPr lang="de-DE" sz="900" dirty="0" err="1">
+                          <a:solidFill>
+                            <a:schemeClr val="bg1"/>
+                          </a:solidFill>
+                          <a:effectLst/>
+                        </a:rPr>
+                        <a:t>fabrice</a:t>
+                      </a:r>
+                      <a:endParaRPr lang="de-DE" sz="900" dirty="0">
+                        <a:solidFill>
+                          <a:schemeClr val="bg1"/>
+                        </a:solidFill>
+                        <a:effectLst/>
+                        <a:latin typeface="Calibri" panose="020F0502020204030204" pitchFamily="34" charset="0"/>
+                        <a:ea typeface="Calibri" panose="020F0502020204030204" pitchFamily="34" charset="0"/>
+                        <a:cs typeface="Times New Roman" panose="02020603050405020304" pitchFamily="18" charset="0"/>
+                      </a:endParaRPr>
+                    </a:p>
+                  </a:txBody>
+                  <a:tcPr marL="53662" marR="53662" marT="0" marB="0" anchor="b"/>
+                </a:tc>
+                <a:tc>
+                  <a:txBody>
+                    <a:bodyPr/>
+                    <a:lstStyle/>
+                    <a:p>
+                      <a:pPr>
+                        <a:lnSpc>
+                          <a:spcPct val="107000"/>
+                        </a:lnSpc>
+                        <a:spcAft>
+                          <a:spcPts val="0"/>
+                        </a:spcAft>
+                      </a:pPr>
+                      <a:r>
+                        <a:rPr lang="de-DE" sz="900" dirty="0">
+                          <a:solidFill>
+                            <a:srgbClr val="FF0000"/>
+                          </a:solidFill>
+                          <a:effectLst/>
+                        </a:rPr>
+                        <a:t>Ein</a:t>
+                      </a:r>
+                      <a:endParaRPr lang="de-DE" sz="900" dirty="0">
+                        <a:solidFill>
+                          <a:srgbClr val="FF0000"/>
+                        </a:solidFill>
+                        <a:effectLst/>
+                        <a:latin typeface="Calibri" panose="020F0502020204030204" pitchFamily="34" charset="0"/>
+                        <a:ea typeface="Calibri" panose="020F0502020204030204" pitchFamily="34" charset="0"/>
+                        <a:cs typeface="Times New Roman" panose="02020603050405020304" pitchFamily="18" charset="0"/>
+                      </a:endParaRPr>
+                    </a:p>
+                  </a:txBody>
+                  <a:tcPr marL="53662" marR="53662" marT="0" marB="0" anchor="b">
+                    <a:solidFill>
+                      <a:schemeClr val="tx2"/>
+                    </a:solidFill>
+                  </a:tcPr>
+                </a:tc>
+              </a:tr>
+              <a:tr h="101408">
+                <a:tc>
+                  <a:txBody>
+                    <a:bodyPr/>
+                    <a:lstStyle/>
+                    <a:p>
+                      <a:pPr>
+                        <a:lnSpc>
+                          <a:spcPct val="107000"/>
+                        </a:lnSpc>
+                        <a:spcAft>
+                          <a:spcPts val="0"/>
+                        </a:spcAft>
+                      </a:pPr>
+                      <a:r>
+                        <a:rPr lang="de-DE" sz="900" dirty="0" err="1">
+                          <a:solidFill>
+                            <a:schemeClr val="bg1"/>
+                          </a:solidFill>
+                          <a:effectLst/>
+                        </a:rPr>
+                        <a:t>wilhelm</a:t>
+                      </a:r>
+                      <a:endParaRPr lang="de-DE" sz="900" dirty="0">
+                        <a:solidFill>
+                          <a:schemeClr val="bg1"/>
+                        </a:solidFill>
+                        <a:effectLst/>
+                        <a:latin typeface="Calibri" panose="020F0502020204030204" pitchFamily="34" charset="0"/>
+                        <a:ea typeface="Calibri" panose="020F0502020204030204" pitchFamily="34" charset="0"/>
+                        <a:cs typeface="Times New Roman" panose="02020603050405020304" pitchFamily="18" charset="0"/>
+                      </a:endParaRPr>
+                    </a:p>
+                  </a:txBody>
+                  <a:tcPr marL="53662" marR="53662" marT="0" marB="0" anchor="b"/>
+                </a:tc>
+                <a:tc>
+                  <a:txBody>
+                    <a:bodyPr/>
+                    <a:lstStyle/>
+                    <a:p>
+                      <a:pPr>
+                        <a:lnSpc>
+                          <a:spcPct val="107000"/>
+                        </a:lnSpc>
+                        <a:spcAft>
+                          <a:spcPts val="0"/>
+                        </a:spcAft>
+                      </a:pPr>
+                      <a:r>
+                        <a:rPr lang="de-DE" sz="900" dirty="0">
+                          <a:solidFill>
+                            <a:srgbClr val="FF0000"/>
+                          </a:solidFill>
+                          <a:effectLst/>
+                        </a:rPr>
+                        <a:t>Das</a:t>
+                      </a:r>
+                      <a:endParaRPr lang="de-DE" sz="900" dirty="0">
+                        <a:solidFill>
+                          <a:srgbClr val="FF0000"/>
+                        </a:solidFill>
+                        <a:effectLst/>
+                        <a:latin typeface="Calibri" panose="020F0502020204030204" pitchFamily="34" charset="0"/>
+                        <a:ea typeface="Calibri" panose="020F0502020204030204" pitchFamily="34" charset="0"/>
+                        <a:cs typeface="Times New Roman" panose="02020603050405020304" pitchFamily="18" charset="0"/>
+                      </a:endParaRPr>
+                    </a:p>
+                  </a:txBody>
+                  <a:tcPr marL="53662" marR="53662" marT="0" marB="0" anchor="b">
+                    <a:solidFill>
+                      <a:schemeClr val="tx2"/>
+                    </a:solidFill>
+                  </a:tcPr>
+                </a:tc>
+              </a:tr>
+              <a:tr h="101408">
+                <a:tc>
+                  <a:txBody>
+                    <a:bodyPr/>
+                    <a:lstStyle/>
+                    <a:p>
+                      <a:pPr>
+                        <a:lnSpc>
+                          <a:spcPct val="107000"/>
+                        </a:lnSpc>
+                        <a:spcAft>
+                          <a:spcPts val="0"/>
+                        </a:spcAft>
+                      </a:pPr>
+                      <a:r>
+                        <a:rPr lang="de-DE" sz="900">
+                          <a:solidFill>
+                            <a:srgbClr val="FF0000"/>
+                          </a:solidFill>
+                          <a:effectLst/>
+                        </a:rPr>
+                        <a:t>Ist</a:t>
+                      </a:r>
+                      <a:endParaRPr lang="de-DE" sz="900">
+                        <a:solidFill>
+                          <a:srgbClr val="FF0000"/>
+                        </a:solidFill>
+                        <a:effectLst/>
+                        <a:latin typeface="Calibri" panose="020F0502020204030204" pitchFamily="34" charset="0"/>
+                        <a:ea typeface="Calibri" panose="020F0502020204030204" pitchFamily="34" charset="0"/>
+                        <a:cs typeface="Times New Roman" panose="02020603050405020304" pitchFamily="18" charset="0"/>
+                      </a:endParaRPr>
+                    </a:p>
+                  </a:txBody>
+                  <a:tcPr marL="53662" marR="53662" marT="0" marB="0" anchor="b"/>
+                </a:tc>
+                <a:tc>
+                  <a:txBody>
+                    <a:bodyPr/>
+                    <a:lstStyle/>
+                    <a:p>
+                      <a:pPr>
+                        <a:lnSpc>
+                          <a:spcPct val="107000"/>
+                        </a:lnSpc>
+                        <a:spcAft>
+                          <a:spcPts val="0"/>
+                        </a:spcAft>
+                      </a:pPr>
+                      <a:r>
+                        <a:rPr lang="de-DE" sz="900" dirty="0">
+                          <a:solidFill>
+                            <a:srgbClr val="FF0000"/>
+                          </a:solidFill>
+                          <a:effectLst/>
+                        </a:rPr>
+                        <a:t>Mir</a:t>
+                      </a:r>
+                      <a:endParaRPr lang="de-DE" sz="900" dirty="0">
+                        <a:solidFill>
+                          <a:srgbClr val="FF0000"/>
+                        </a:solidFill>
+                        <a:effectLst/>
+                        <a:latin typeface="Calibri" panose="020F0502020204030204" pitchFamily="34" charset="0"/>
+                        <a:ea typeface="Calibri" panose="020F0502020204030204" pitchFamily="34" charset="0"/>
+                        <a:cs typeface="Times New Roman" panose="02020603050405020304" pitchFamily="18" charset="0"/>
+                      </a:endParaRPr>
+                    </a:p>
+                  </a:txBody>
+                  <a:tcPr marL="53662" marR="53662" marT="0" marB="0" anchor="b">
+                    <a:solidFill>
+                      <a:schemeClr val="tx2"/>
+                    </a:solidFill>
+                  </a:tcPr>
+                </a:tc>
+              </a:tr>
+              <a:tr h="101408">
+                <a:tc>
+                  <a:txBody>
+                    <a:bodyPr/>
+                    <a:lstStyle/>
+                    <a:p>
+                      <a:pPr>
+                        <a:lnSpc>
+                          <a:spcPct val="107000"/>
+                        </a:lnSpc>
+                        <a:spcAft>
+                          <a:spcPts val="0"/>
+                        </a:spcAft>
+                      </a:pPr>
+                      <a:r>
+                        <a:rPr lang="de-DE" sz="900" dirty="0">
+                          <a:solidFill>
+                            <a:schemeClr val="bg1"/>
+                          </a:solidFill>
+                          <a:effectLst/>
+                        </a:rPr>
+                        <a:t>S</a:t>
+                      </a:r>
+                      <a:endParaRPr lang="de-DE" sz="900" dirty="0">
+                        <a:solidFill>
+                          <a:schemeClr val="bg1"/>
+                        </a:solidFill>
+                        <a:effectLst/>
+                        <a:latin typeface="Calibri" panose="020F0502020204030204" pitchFamily="34" charset="0"/>
+                        <a:ea typeface="Calibri" panose="020F0502020204030204" pitchFamily="34" charset="0"/>
+                        <a:cs typeface="Times New Roman" panose="02020603050405020304" pitchFamily="18" charset="0"/>
+                      </a:endParaRPr>
+                    </a:p>
+                  </a:txBody>
+                  <a:tcPr marL="53662" marR="53662" marT="0" marB="0" anchor="b"/>
+                </a:tc>
+                <a:tc>
+                  <a:txBody>
+                    <a:bodyPr/>
+                    <a:lstStyle/>
+                    <a:p>
+                      <a:pPr>
+                        <a:lnSpc>
+                          <a:spcPct val="107000"/>
+                        </a:lnSpc>
+                        <a:spcAft>
+                          <a:spcPts val="0"/>
+                        </a:spcAft>
+                      </a:pPr>
+                      <a:r>
+                        <a:rPr lang="de-DE" sz="900" dirty="0">
+                          <a:solidFill>
+                            <a:srgbClr val="FF0000"/>
+                          </a:solidFill>
+                          <a:effectLst/>
+                        </a:rPr>
+                        <a:t>In</a:t>
+                      </a:r>
+                      <a:endParaRPr lang="de-DE" sz="900" dirty="0">
+                        <a:solidFill>
+                          <a:srgbClr val="FF0000"/>
+                        </a:solidFill>
+                        <a:effectLst/>
+                        <a:latin typeface="Calibri" panose="020F0502020204030204" pitchFamily="34" charset="0"/>
+                        <a:ea typeface="Calibri" panose="020F0502020204030204" pitchFamily="34" charset="0"/>
+                        <a:cs typeface="Times New Roman" panose="02020603050405020304" pitchFamily="18" charset="0"/>
+                      </a:endParaRPr>
+                    </a:p>
+                  </a:txBody>
+                  <a:tcPr marL="53662" marR="53662" marT="0" marB="0" anchor="b">
+                    <a:solidFill>
+                      <a:schemeClr val="tx2"/>
+                    </a:solidFill>
+                  </a:tcPr>
+                </a:tc>
+              </a:tr>
+              <a:tr h="101408">
+                <a:tc>
+                  <a:txBody>
+                    <a:bodyPr/>
+                    <a:lstStyle/>
+                    <a:p>
+                      <a:pPr>
+                        <a:lnSpc>
+                          <a:spcPct val="107000"/>
+                        </a:lnSpc>
+                        <a:spcAft>
+                          <a:spcPts val="0"/>
+                        </a:spcAft>
+                      </a:pPr>
+                      <a:r>
+                        <a:rPr lang="de-DE" sz="900">
+                          <a:solidFill>
+                            <a:srgbClr val="FF0000"/>
+                          </a:solidFill>
+                          <a:effectLst/>
+                        </a:rPr>
+                        <a:t>Er</a:t>
+                      </a:r>
+                      <a:endParaRPr lang="de-DE" sz="900">
+                        <a:solidFill>
+                          <a:srgbClr val="FF0000"/>
+                        </a:solidFill>
+                        <a:effectLst/>
+                        <a:latin typeface="Calibri" panose="020F0502020204030204" pitchFamily="34" charset="0"/>
+                        <a:ea typeface="Calibri" panose="020F0502020204030204" pitchFamily="34" charset="0"/>
+                        <a:cs typeface="Times New Roman" panose="02020603050405020304" pitchFamily="18" charset="0"/>
+                      </a:endParaRPr>
+                    </a:p>
+                  </a:txBody>
+                  <a:tcPr marL="53662" marR="53662" marT="0" marB="0" anchor="b"/>
+                </a:tc>
+                <a:tc>
+                  <a:txBody>
+                    <a:bodyPr/>
+                    <a:lstStyle/>
+                    <a:p>
+                      <a:pPr>
+                        <a:lnSpc>
+                          <a:spcPct val="107000"/>
+                        </a:lnSpc>
+                        <a:spcAft>
+                          <a:spcPts val="0"/>
+                        </a:spcAft>
+                      </a:pPr>
+                      <a:r>
+                        <a:rPr lang="de-DE" sz="900" dirty="0">
+                          <a:solidFill>
+                            <a:srgbClr val="FF0000"/>
+                          </a:solidFill>
+                          <a:effectLst/>
+                        </a:rPr>
+                        <a:t>Du</a:t>
+                      </a:r>
+                      <a:endParaRPr lang="de-DE" sz="900" dirty="0">
+                        <a:solidFill>
+                          <a:srgbClr val="FF0000"/>
+                        </a:solidFill>
+                        <a:effectLst/>
+                        <a:latin typeface="Calibri" panose="020F0502020204030204" pitchFamily="34" charset="0"/>
+                        <a:ea typeface="Calibri" panose="020F0502020204030204" pitchFamily="34" charset="0"/>
+                        <a:cs typeface="Times New Roman" panose="02020603050405020304" pitchFamily="18" charset="0"/>
+                      </a:endParaRPr>
+                    </a:p>
+                  </a:txBody>
+                  <a:tcPr marL="53662" marR="53662" marT="0" marB="0" anchor="b">
+                    <a:solidFill>
+                      <a:schemeClr val="tx2"/>
+                    </a:solidFill>
+                  </a:tcPr>
+                </a:tc>
+              </a:tr>
+              <a:tr h="101408">
+                <a:tc>
+                  <a:txBody>
+                    <a:bodyPr/>
+                    <a:lstStyle/>
+                    <a:p>
+                      <a:pPr>
+                        <a:lnSpc>
+                          <a:spcPct val="107000"/>
+                        </a:lnSpc>
+                        <a:spcAft>
+                          <a:spcPts val="0"/>
+                        </a:spcAft>
+                      </a:pPr>
+                      <a:r>
+                        <a:rPr lang="de-DE" sz="900">
+                          <a:solidFill>
+                            <a:srgbClr val="FF0000"/>
+                          </a:solidFill>
+                          <a:effectLst/>
+                        </a:rPr>
+                        <a:t>Es</a:t>
+                      </a:r>
+                      <a:endParaRPr lang="de-DE" sz="900">
+                        <a:solidFill>
+                          <a:srgbClr val="FF0000"/>
+                        </a:solidFill>
+                        <a:effectLst/>
+                        <a:latin typeface="Calibri" panose="020F0502020204030204" pitchFamily="34" charset="0"/>
+                        <a:ea typeface="Calibri" panose="020F0502020204030204" pitchFamily="34" charset="0"/>
+                        <a:cs typeface="Times New Roman" panose="02020603050405020304" pitchFamily="18" charset="0"/>
+                      </a:endParaRPr>
+                    </a:p>
+                  </a:txBody>
+                  <a:tcPr marL="53662" marR="53662" marT="0" marB="0" anchor="b"/>
+                </a:tc>
+                <a:tc>
+                  <a:txBody>
+                    <a:bodyPr/>
+                    <a:lstStyle/>
+                    <a:p>
+                      <a:pPr>
+                        <a:lnSpc>
+                          <a:spcPct val="107000"/>
+                        </a:lnSpc>
+                        <a:spcAft>
+                          <a:spcPts val="0"/>
+                        </a:spcAft>
+                      </a:pPr>
+                      <a:r>
+                        <a:rPr lang="de-DE" sz="900" dirty="0">
+                          <a:solidFill>
+                            <a:srgbClr val="FF0000"/>
+                          </a:solidFill>
+                          <a:effectLst/>
+                        </a:rPr>
+                        <a:t>Zu</a:t>
+                      </a:r>
+                      <a:endParaRPr lang="de-DE" sz="900" dirty="0">
+                        <a:solidFill>
+                          <a:srgbClr val="FF0000"/>
+                        </a:solidFill>
+                        <a:effectLst/>
+                        <a:latin typeface="Calibri" panose="020F0502020204030204" pitchFamily="34" charset="0"/>
+                        <a:ea typeface="Calibri" panose="020F0502020204030204" pitchFamily="34" charset="0"/>
+                        <a:cs typeface="Times New Roman" panose="02020603050405020304" pitchFamily="18" charset="0"/>
+                      </a:endParaRPr>
+                    </a:p>
+                  </a:txBody>
+                  <a:tcPr marL="53662" marR="53662" marT="0" marB="0" anchor="b">
+                    <a:solidFill>
+                      <a:schemeClr val="tx2"/>
+                    </a:solidFill>
+                  </a:tcPr>
+                </a:tc>
+              </a:tr>
+              <a:tr h="101408">
+                <a:tc>
+                  <a:txBody>
+                    <a:bodyPr/>
+                    <a:lstStyle/>
+                    <a:p>
+                      <a:pPr>
+                        <a:lnSpc>
+                          <a:spcPct val="107000"/>
+                        </a:lnSpc>
+                        <a:spcAft>
+                          <a:spcPts val="0"/>
+                        </a:spcAft>
+                      </a:pPr>
+                      <a:r>
+                        <a:rPr lang="de-DE" sz="900">
+                          <a:solidFill>
+                            <a:srgbClr val="FF0000"/>
+                          </a:solidFill>
+                          <a:effectLst/>
+                        </a:rPr>
+                        <a:t>So</a:t>
+                      </a:r>
+                      <a:endParaRPr lang="de-DE" sz="900">
+                        <a:solidFill>
+                          <a:srgbClr val="FF0000"/>
+                        </a:solidFill>
+                        <a:effectLst/>
+                        <a:latin typeface="Calibri" panose="020F0502020204030204" pitchFamily="34" charset="0"/>
+                        <a:ea typeface="Calibri" panose="020F0502020204030204" pitchFamily="34" charset="0"/>
+                        <a:cs typeface="Times New Roman" panose="02020603050405020304" pitchFamily="18" charset="0"/>
+                      </a:endParaRPr>
+                    </a:p>
+                  </a:txBody>
+                  <a:tcPr marL="53662" marR="53662" marT="0" marB="0" anchor="b"/>
+                </a:tc>
+                <a:tc>
+                  <a:txBody>
+                    <a:bodyPr/>
+                    <a:lstStyle/>
+                    <a:p>
+                      <a:pPr>
+                        <a:lnSpc>
+                          <a:spcPct val="107000"/>
+                        </a:lnSpc>
+                        <a:spcAft>
+                          <a:spcPts val="0"/>
+                        </a:spcAft>
+                      </a:pPr>
+                      <a:r>
+                        <a:rPr lang="de-DE" sz="900" dirty="0">
+                          <a:solidFill>
+                            <a:schemeClr val="bg1"/>
+                          </a:solidFill>
+                          <a:effectLst/>
+                        </a:rPr>
+                        <a:t>Auf</a:t>
+                      </a:r>
+                      <a:endParaRPr lang="de-DE" sz="900" dirty="0">
+                        <a:solidFill>
+                          <a:schemeClr val="bg1"/>
+                        </a:solidFill>
+                        <a:effectLst/>
+                        <a:latin typeface="Calibri" panose="020F0502020204030204" pitchFamily="34" charset="0"/>
+                        <a:ea typeface="Calibri" panose="020F0502020204030204" pitchFamily="34" charset="0"/>
+                        <a:cs typeface="Times New Roman" panose="02020603050405020304" pitchFamily="18" charset="0"/>
+                      </a:endParaRPr>
+                    </a:p>
+                  </a:txBody>
+                  <a:tcPr marL="53662" marR="53662" marT="0" marB="0" anchor="b">
+                    <a:solidFill>
+                      <a:schemeClr val="tx2"/>
+                    </a:solidFill>
+                  </a:tcPr>
+                </a:tc>
+              </a:tr>
+              <a:tr h="119553">
+                <a:tc>
+                  <a:txBody>
+                    <a:bodyPr/>
+                    <a:lstStyle/>
+                    <a:p>
+                      <a:pPr>
+                        <a:lnSpc>
+                          <a:spcPct val="107000"/>
+                        </a:lnSpc>
+                        <a:spcAft>
+                          <a:spcPts val="0"/>
+                        </a:spcAft>
+                      </a:pPr>
+                      <a:r>
+                        <a:rPr lang="de-DE" sz="900">
+                          <a:solidFill>
+                            <a:srgbClr val="FF0000"/>
+                          </a:solidFill>
+                          <a:effectLst/>
+                        </a:rPr>
+                        <a:t>der</a:t>
+                      </a:r>
+                      <a:endParaRPr lang="de-DE" sz="900">
+                        <a:solidFill>
+                          <a:srgbClr val="FF0000"/>
+                        </a:solidFill>
+                        <a:effectLst/>
+                        <a:latin typeface="Calibri" panose="020F0502020204030204" pitchFamily="34" charset="0"/>
+                        <a:ea typeface="Calibri" panose="020F0502020204030204" pitchFamily="34" charset="0"/>
+                        <a:cs typeface="Times New Roman" panose="02020603050405020304" pitchFamily="18" charset="0"/>
+                      </a:endParaRPr>
+                    </a:p>
+                  </a:txBody>
+                  <a:tcPr marL="53662" marR="53662" marT="0" marB="0" anchor="b"/>
+                </a:tc>
+                <a:tc>
+                  <a:txBody>
+                    <a:bodyPr/>
+                    <a:lstStyle/>
+                    <a:p>
+                      <a:pPr>
+                        <a:lnSpc>
+                          <a:spcPct val="107000"/>
+                        </a:lnSpc>
+                        <a:spcAft>
+                          <a:spcPts val="0"/>
+                        </a:spcAft>
+                      </a:pPr>
+                      <a:r>
+                        <a:rPr lang="de-DE" sz="900" dirty="0">
+                          <a:solidFill>
+                            <a:srgbClr val="FF0000"/>
+                          </a:solidFill>
+                          <a:effectLst/>
+                        </a:rPr>
+                        <a:t>mich</a:t>
+                      </a:r>
+                      <a:endParaRPr lang="de-DE" sz="900" dirty="0">
+                        <a:solidFill>
+                          <a:srgbClr val="FF0000"/>
+                        </a:solidFill>
+                        <a:effectLst/>
+                        <a:latin typeface="Calibri" panose="020F0502020204030204" pitchFamily="34" charset="0"/>
+                        <a:ea typeface="Calibri" panose="020F0502020204030204" pitchFamily="34" charset="0"/>
+                        <a:cs typeface="Times New Roman" panose="02020603050405020304" pitchFamily="18" charset="0"/>
+                      </a:endParaRPr>
+                    </a:p>
+                  </a:txBody>
+                  <a:tcPr marL="53662" marR="53662" marT="0" marB="0" anchor="b">
+                    <a:solidFill>
+                      <a:schemeClr val="tx2"/>
+                    </a:solidFill>
+                  </a:tcPr>
+                </a:tc>
+              </a:tr>
+              <a:tr h="101408">
+                <a:tc>
+                  <a:txBody>
+                    <a:bodyPr/>
+                    <a:lstStyle/>
+                    <a:p>
+                      <a:pPr>
+                        <a:lnSpc>
+                          <a:spcPct val="107000"/>
+                        </a:lnSpc>
+                        <a:spcAft>
+                          <a:spcPts val="0"/>
+                        </a:spcAft>
+                      </a:pPr>
+                      <a:r>
+                        <a:rPr lang="de-DE" sz="900" dirty="0">
+                          <a:solidFill>
+                            <a:schemeClr val="bg1"/>
+                          </a:solidFill>
+                          <a:effectLst/>
+                        </a:rPr>
+                        <a:t>wenn</a:t>
+                      </a:r>
+                      <a:endParaRPr lang="de-DE" sz="900" dirty="0">
+                        <a:solidFill>
+                          <a:schemeClr val="bg1"/>
+                        </a:solidFill>
+                        <a:effectLst/>
+                        <a:latin typeface="Calibri" panose="020F0502020204030204" pitchFamily="34" charset="0"/>
+                        <a:ea typeface="Calibri" panose="020F0502020204030204" pitchFamily="34" charset="0"/>
+                        <a:cs typeface="Times New Roman" panose="02020603050405020304" pitchFamily="18" charset="0"/>
+                      </a:endParaRPr>
+                    </a:p>
+                  </a:txBody>
+                  <a:tcPr marL="53662" marR="53662" marT="0" marB="0" anchor="b"/>
+                </a:tc>
+                <a:tc>
+                  <a:txBody>
+                    <a:bodyPr/>
+                    <a:lstStyle/>
+                    <a:p>
+                      <a:pPr>
+                        <a:lnSpc>
+                          <a:spcPct val="107000"/>
+                        </a:lnSpc>
+                        <a:spcAft>
+                          <a:spcPts val="0"/>
+                        </a:spcAft>
+                      </a:pPr>
+                      <a:r>
+                        <a:rPr lang="de-DE" sz="900">
+                          <a:solidFill>
+                            <a:srgbClr val="FF0000"/>
+                          </a:solidFill>
+                          <a:effectLst/>
+                        </a:rPr>
+                        <a:t>Mit</a:t>
+                      </a:r>
+                      <a:endParaRPr lang="de-DE" sz="900">
+                        <a:solidFill>
+                          <a:srgbClr val="FF0000"/>
+                        </a:solidFill>
+                        <a:effectLst/>
+                        <a:latin typeface="Calibri" panose="020F0502020204030204" pitchFamily="34" charset="0"/>
+                        <a:ea typeface="Calibri" panose="020F0502020204030204" pitchFamily="34" charset="0"/>
+                        <a:cs typeface="Times New Roman" panose="02020603050405020304" pitchFamily="18" charset="0"/>
+                      </a:endParaRPr>
+                    </a:p>
+                  </a:txBody>
+                  <a:tcPr marL="53662" marR="53662" marT="0" marB="0" anchor="b">
+                    <a:solidFill>
+                      <a:schemeClr val="tx2"/>
+                    </a:solidFill>
+                  </a:tcPr>
+                </a:tc>
+              </a:tr>
+              <a:tr h="101408">
+                <a:tc>
+                  <a:txBody>
+                    <a:bodyPr/>
+                    <a:lstStyle/>
+                    <a:p>
+                      <a:pPr>
+                        <a:lnSpc>
+                          <a:spcPct val="107000"/>
+                        </a:lnSpc>
+                        <a:spcAft>
+                          <a:spcPts val="0"/>
+                        </a:spcAft>
+                      </a:pPr>
+                      <a:r>
+                        <a:rPr lang="de-DE" sz="900">
+                          <a:solidFill>
+                            <a:srgbClr val="FF0000"/>
+                          </a:solidFill>
+                          <a:effectLst/>
+                        </a:rPr>
+                        <a:t>mich</a:t>
+                      </a:r>
+                      <a:endParaRPr lang="de-DE" sz="900">
+                        <a:solidFill>
+                          <a:srgbClr val="FF0000"/>
+                        </a:solidFill>
+                        <a:effectLst/>
+                        <a:latin typeface="Calibri" panose="020F0502020204030204" pitchFamily="34" charset="0"/>
+                        <a:ea typeface="Calibri" panose="020F0502020204030204" pitchFamily="34" charset="0"/>
+                        <a:cs typeface="Times New Roman" panose="02020603050405020304" pitchFamily="18" charset="0"/>
+                      </a:endParaRPr>
+                    </a:p>
+                  </a:txBody>
+                  <a:tcPr marL="53662" marR="53662" marT="0" marB="0" anchor="b"/>
+                </a:tc>
+                <a:tc>
+                  <a:txBody>
+                    <a:bodyPr/>
+                    <a:lstStyle/>
+                    <a:p>
+                      <a:pPr>
+                        <a:lnSpc>
+                          <a:spcPct val="107000"/>
+                        </a:lnSpc>
+                        <a:spcAft>
+                          <a:spcPts val="0"/>
+                        </a:spcAft>
+                      </a:pPr>
+                      <a:r>
+                        <a:rPr lang="de-DE" sz="900" dirty="0">
+                          <a:solidFill>
+                            <a:srgbClr val="FF0000"/>
+                          </a:solidFill>
+                          <a:effectLst/>
+                        </a:rPr>
+                        <a:t>Dir</a:t>
+                      </a:r>
+                      <a:endParaRPr lang="de-DE" sz="900" dirty="0">
+                        <a:solidFill>
+                          <a:srgbClr val="FF0000"/>
+                        </a:solidFill>
+                        <a:effectLst/>
+                        <a:latin typeface="Calibri" panose="020F0502020204030204" pitchFamily="34" charset="0"/>
+                        <a:ea typeface="Calibri" panose="020F0502020204030204" pitchFamily="34" charset="0"/>
+                        <a:cs typeface="Times New Roman" panose="02020603050405020304" pitchFamily="18" charset="0"/>
+                      </a:endParaRPr>
+                    </a:p>
+                  </a:txBody>
+                  <a:tcPr marL="53662" marR="53662" marT="0" marB="0" anchor="b">
+                    <a:solidFill>
+                      <a:schemeClr val="tx2"/>
+                    </a:solidFill>
+                  </a:tcPr>
+                </a:tc>
+              </a:tr>
+              <a:tr h="101408">
+                <a:tc>
+                  <a:txBody>
+                    <a:bodyPr/>
+                    <a:lstStyle/>
+                    <a:p>
+                      <a:pPr>
+                        <a:lnSpc>
+                          <a:spcPct val="107000"/>
+                        </a:lnSpc>
+                        <a:spcAft>
+                          <a:spcPts val="0"/>
+                        </a:spcAft>
+                      </a:pPr>
+                      <a:r>
+                        <a:rPr lang="de-DE" sz="900">
+                          <a:solidFill>
+                            <a:srgbClr val="FF0000"/>
+                          </a:solidFill>
+                          <a:effectLst/>
+                        </a:rPr>
+                        <a:t>Die</a:t>
+                      </a:r>
+                      <a:endParaRPr lang="de-DE" sz="900">
+                        <a:solidFill>
+                          <a:srgbClr val="FF0000"/>
+                        </a:solidFill>
+                        <a:effectLst/>
+                        <a:latin typeface="Calibri" panose="020F0502020204030204" pitchFamily="34" charset="0"/>
+                        <a:ea typeface="Calibri" panose="020F0502020204030204" pitchFamily="34" charset="0"/>
+                        <a:cs typeface="Times New Roman" panose="02020603050405020304" pitchFamily="18" charset="0"/>
+                      </a:endParaRPr>
+                    </a:p>
+                  </a:txBody>
+                  <a:tcPr marL="53662" marR="53662" marT="0" marB="0" anchor="b"/>
+                </a:tc>
+                <a:tc>
+                  <a:txBody>
+                    <a:bodyPr/>
+                    <a:lstStyle/>
+                    <a:p>
+                      <a:pPr>
+                        <a:lnSpc>
+                          <a:spcPct val="107000"/>
+                        </a:lnSpc>
+                        <a:spcAft>
+                          <a:spcPts val="0"/>
+                        </a:spcAft>
+                      </a:pPr>
+                      <a:r>
+                        <a:rPr lang="de-DE" sz="900">
+                          <a:solidFill>
+                            <a:srgbClr val="FF0000"/>
+                          </a:solidFill>
+                          <a:effectLst/>
+                        </a:rPr>
+                        <a:t>So</a:t>
+                      </a:r>
+                      <a:endParaRPr lang="de-DE" sz="900">
+                        <a:solidFill>
+                          <a:srgbClr val="FF0000"/>
+                        </a:solidFill>
+                        <a:effectLst/>
+                        <a:latin typeface="Calibri" panose="020F0502020204030204" pitchFamily="34" charset="0"/>
+                        <a:ea typeface="Calibri" panose="020F0502020204030204" pitchFamily="34" charset="0"/>
+                        <a:cs typeface="Times New Roman" panose="02020603050405020304" pitchFamily="18" charset="0"/>
+                      </a:endParaRPr>
+                    </a:p>
+                  </a:txBody>
+                  <a:tcPr marL="53662" marR="53662" marT="0" marB="0" anchor="b">
+                    <a:solidFill>
+                      <a:schemeClr val="tx2"/>
+                    </a:solidFill>
+                  </a:tcPr>
+                </a:tc>
+              </a:tr>
+              <a:tr h="101408">
+                <a:tc>
+                  <a:txBody>
+                    <a:bodyPr/>
+                    <a:lstStyle/>
+                    <a:p>
+                      <a:pPr>
+                        <a:lnSpc>
+                          <a:spcPct val="107000"/>
+                        </a:lnSpc>
+                        <a:spcAft>
+                          <a:spcPts val="0"/>
+                        </a:spcAft>
+                      </a:pPr>
+                      <a:r>
+                        <a:rPr lang="de-DE" sz="900">
+                          <a:solidFill>
+                            <a:srgbClr val="FF0000"/>
+                          </a:solidFill>
+                          <a:effectLst/>
+                        </a:rPr>
+                        <a:t>das</a:t>
+                      </a:r>
+                      <a:endParaRPr lang="de-DE" sz="900">
+                        <a:solidFill>
+                          <a:srgbClr val="FF0000"/>
+                        </a:solidFill>
+                        <a:effectLst/>
+                        <a:latin typeface="Calibri" panose="020F0502020204030204" pitchFamily="34" charset="0"/>
+                        <a:ea typeface="Calibri" panose="020F0502020204030204" pitchFamily="34" charset="0"/>
+                        <a:cs typeface="Times New Roman" panose="02020603050405020304" pitchFamily="18" charset="0"/>
+                      </a:endParaRPr>
+                    </a:p>
+                  </a:txBody>
+                  <a:tcPr marL="53662" marR="53662" marT="0" marB="0" anchor="b"/>
+                </a:tc>
+                <a:tc>
+                  <a:txBody>
+                    <a:bodyPr/>
+                    <a:lstStyle/>
+                    <a:p>
+                      <a:pPr>
+                        <a:lnSpc>
+                          <a:spcPct val="107000"/>
+                        </a:lnSpc>
+                        <a:spcAft>
+                          <a:spcPts val="0"/>
+                        </a:spcAft>
+                      </a:pPr>
+                      <a:r>
+                        <a:rPr lang="de-DE" sz="900" dirty="0">
+                          <a:solidFill>
+                            <a:schemeClr val="bg1"/>
+                          </a:solidFill>
+                          <a:effectLst/>
+                        </a:rPr>
+                        <a:t>mein</a:t>
+                      </a:r>
+                      <a:endParaRPr lang="de-DE" sz="900" dirty="0">
+                        <a:solidFill>
+                          <a:schemeClr val="bg1"/>
+                        </a:solidFill>
+                        <a:effectLst/>
+                        <a:latin typeface="Calibri" panose="020F0502020204030204" pitchFamily="34" charset="0"/>
+                        <a:ea typeface="Calibri" panose="020F0502020204030204" pitchFamily="34" charset="0"/>
+                        <a:cs typeface="Times New Roman" panose="02020603050405020304" pitchFamily="18" charset="0"/>
+                      </a:endParaRPr>
+                    </a:p>
+                  </a:txBody>
+                  <a:tcPr marL="53662" marR="53662" marT="0" marB="0" anchor="b">
+                    <a:solidFill>
+                      <a:schemeClr val="tx2"/>
+                    </a:solidFill>
+                  </a:tcPr>
+                </a:tc>
+              </a:tr>
+              <a:tr h="132367">
+                <a:tc>
+                  <a:txBody>
+                    <a:bodyPr/>
+                    <a:lstStyle/>
+                    <a:p>
+                      <a:pPr>
+                        <a:lnSpc>
+                          <a:spcPct val="107000"/>
+                        </a:lnSpc>
+                        <a:spcAft>
+                          <a:spcPts val="0"/>
+                        </a:spcAft>
+                      </a:pPr>
+                      <a:r>
+                        <a:rPr lang="de-DE" sz="900">
+                          <a:solidFill>
+                            <a:srgbClr val="FF0000"/>
+                          </a:solidFill>
+                          <a:effectLst/>
+                        </a:rPr>
+                        <a:t>Zu</a:t>
+                      </a:r>
+                      <a:endParaRPr lang="de-DE" sz="900">
+                        <a:solidFill>
+                          <a:srgbClr val="FF0000"/>
+                        </a:solidFill>
+                        <a:effectLst/>
+                        <a:latin typeface="Calibri" panose="020F0502020204030204" pitchFamily="34" charset="0"/>
+                        <a:ea typeface="Calibri" panose="020F0502020204030204" pitchFamily="34" charset="0"/>
+                        <a:cs typeface="Times New Roman" panose="02020603050405020304" pitchFamily="18" charset="0"/>
+                      </a:endParaRPr>
+                    </a:p>
+                  </a:txBody>
+                  <a:tcPr marL="53662" marR="53662" marT="0" marB="0" anchor="b"/>
+                </a:tc>
+                <a:tc>
+                  <a:txBody>
+                    <a:bodyPr/>
+                    <a:lstStyle/>
+                    <a:p>
+                      <a:pPr>
+                        <a:lnSpc>
+                          <a:spcPct val="107000"/>
+                        </a:lnSpc>
+                        <a:spcAft>
+                          <a:spcPts val="0"/>
+                        </a:spcAft>
+                      </a:pPr>
+                      <a:r>
+                        <a:rPr lang="de-DE" sz="900" dirty="0">
+                          <a:solidFill>
+                            <a:schemeClr val="bg1"/>
+                          </a:solidFill>
+                          <a:effectLst/>
+                        </a:rPr>
+                        <a:t>Von</a:t>
+                      </a:r>
+                      <a:endParaRPr lang="de-DE" sz="900" dirty="0">
+                        <a:solidFill>
+                          <a:schemeClr val="bg1"/>
+                        </a:solidFill>
+                        <a:effectLst/>
+                        <a:latin typeface="Calibri" panose="020F0502020204030204" pitchFamily="34" charset="0"/>
+                        <a:ea typeface="Calibri" panose="020F0502020204030204" pitchFamily="34" charset="0"/>
+                        <a:cs typeface="Times New Roman" panose="02020603050405020304" pitchFamily="18" charset="0"/>
+                      </a:endParaRPr>
+                    </a:p>
+                  </a:txBody>
+                  <a:tcPr marL="53662" marR="53662" marT="0" marB="0" anchor="b">
+                    <a:solidFill>
+                      <a:schemeClr val="tx2"/>
+                    </a:solidFill>
+                  </a:tcPr>
+                </a:tc>
+              </a:tr>
+              <a:tr h="101408">
+                <a:tc>
+                  <a:txBody>
+                    <a:bodyPr/>
+                    <a:lstStyle/>
+                    <a:p>
+                      <a:pPr>
+                        <a:lnSpc>
+                          <a:spcPct val="107000"/>
+                        </a:lnSpc>
+                        <a:spcAft>
+                          <a:spcPts val="0"/>
+                        </a:spcAft>
+                      </a:pPr>
+                      <a:r>
+                        <a:rPr lang="de-DE" sz="900">
+                          <a:solidFill>
+                            <a:srgbClr val="FF0000"/>
+                          </a:solidFill>
+                          <a:effectLst/>
+                        </a:rPr>
+                        <a:t>ein</a:t>
+                      </a:r>
+                      <a:endParaRPr lang="de-DE" sz="900">
+                        <a:solidFill>
+                          <a:srgbClr val="FF0000"/>
+                        </a:solidFill>
+                        <a:effectLst/>
+                        <a:latin typeface="Calibri" panose="020F0502020204030204" pitchFamily="34" charset="0"/>
+                        <a:ea typeface="Calibri" panose="020F0502020204030204" pitchFamily="34" charset="0"/>
+                        <a:cs typeface="Times New Roman" panose="02020603050405020304" pitchFamily="18" charset="0"/>
+                      </a:endParaRPr>
+                    </a:p>
+                  </a:txBody>
+                  <a:tcPr marL="53662" marR="53662" marT="0" marB="0" anchor="b"/>
+                </a:tc>
+                <a:tc>
+                  <a:txBody>
+                    <a:bodyPr/>
+                    <a:lstStyle/>
+                    <a:p>
+                      <a:pPr>
+                        <a:lnSpc>
+                          <a:spcPct val="107000"/>
+                        </a:lnSpc>
+                        <a:spcAft>
+                          <a:spcPts val="0"/>
+                        </a:spcAft>
+                      </a:pPr>
+                      <a:r>
+                        <a:rPr lang="de-DE" sz="900" dirty="0">
+                          <a:solidFill>
+                            <a:schemeClr val="bg1"/>
+                          </a:solidFill>
+                          <a:effectLst/>
+                        </a:rPr>
+                        <a:t>was</a:t>
+                      </a:r>
+                      <a:endParaRPr lang="de-DE" sz="900" dirty="0">
+                        <a:solidFill>
+                          <a:schemeClr val="bg1"/>
+                        </a:solidFill>
+                        <a:effectLst/>
+                        <a:latin typeface="Calibri" panose="020F0502020204030204" pitchFamily="34" charset="0"/>
+                        <a:ea typeface="Calibri" panose="020F0502020204030204" pitchFamily="34" charset="0"/>
+                        <a:cs typeface="Times New Roman" panose="02020603050405020304" pitchFamily="18" charset="0"/>
+                      </a:endParaRPr>
+                    </a:p>
+                  </a:txBody>
+                  <a:tcPr marL="53662" marR="53662" marT="0" marB="0" anchor="b">
+                    <a:solidFill>
+                      <a:schemeClr val="tx2"/>
+                    </a:solidFill>
+                  </a:tcPr>
+                </a:tc>
+              </a:tr>
+              <a:tr h="101408">
+                <a:tc>
+                  <a:txBody>
+                    <a:bodyPr/>
+                    <a:lstStyle/>
+                    <a:p>
+                      <a:pPr>
+                        <a:lnSpc>
+                          <a:spcPct val="107000"/>
+                        </a:lnSpc>
+                        <a:spcAft>
+                          <a:spcPts val="0"/>
+                        </a:spcAft>
+                      </a:pPr>
+                      <a:r>
+                        <a:rPr lang="de-DE" sz="900" dirty="0">
+                          <a:solidFill>
+                            <a:schemeClr val="bg1"/>
+                          </a:solidFill>
+                          <a:effectLst/>
+                        </a:rPr>
+                        <a:t>was</a:t>
+                      </a:r>
+                      <a:endParaRPr lang="de-DE" sz="900" dirty="0">
+                        <a:solidFill>
+                          <a:schemeClr val="bg1"/>
+                        </a:solidFill>
+                        <a:effectLst/>
+                        <a:latin typeface="Calibri" panose="020F0502020204030204" pitchFamily="34" charset="0"/>
+                        <a:ea typeface="Calibri" panose="020F0502020204030204" pitchFamily="34" charset="0"/>
+                        <a:cs typeface="Times New Roman" panose="02020603050405020304" pitchFamily="18" charset="0"/>
+                      </a:endParaRPr>
+                    </a:p>
+                  </a:txBody>
+                  <a:tcPr marL="53662" marR="53662" marT="0" marB="0" anchor="b"/>
+                </a:tc>
+                <a:tc>
+                  <a:txBody>
+                    <a:bodyPr/>
+                    <a:lstStyle/>
+                    <a:p>
+                      <a:pPr>
+                        <a:lnSpc>
+                          <a:spcPct val="107000"/>
+                        </a:lnSpc>
+                        <a:spcAft>
+                          <a:spcPts val="0"/>
+                        </a:spcAft>
+                      </a:pPr>
+                      <a:r>
+                        <a:rPr lang="de-DE" sz="900" dirty="0" err="1">
+                          <a:solidFill>
+                            <a:srgbClr val="FF0000"/>
+                          </a:solidFill>
+                          <a:effectLst/>
+                        </a:rPr>
+                        <a:t>daÃŸ</a:t>
+                      </a:r>
+                      <a:endParaRPr lang="de-DE" sz="900" dirty="0">
+                        <a:solidFill>
+                          <a:srgbClr val="FF0000"/>
+                        </a:solidFill>
+                        <a:effectLst/>
+                        <a:latin typeface="Calibri" panose="020F0502020204030204" pitchFamily="34" charset="0"/>
+                        <a:ea typeface="Calibri" panose="020F0502020204030204" pitchFamily="34" charset="0"/>
+                        <a:cs typeface="Times New Roman" panose="02020603050405020304" pitchFamily="18" charset="0"/>
+                      </a:endParaRPr>
+                    </a:p>
+                  </a:txBody>
+                  <a:tcPr marL="53662" marR="53662" marT="0" marB="0" anchor="b">
+                    <a:solidFill>
+                      <a:schemeClr val="tx2"/>
+                    </a:solidFill>
+                  </a:tcPr>
+                </a:tc>
+              </a:tr>
+              <a:tr h="101408">
+                <a:tc>
+                  <a:txBody>
+                    <a:bodyPr/>
+                    <a:lstStyle/>
+                    <a:p>
+                      <a:pPr>
+                        <a:lnSpc>
+                          <a:spcPct val="107000"/>
+                        </a:lnSpc>
+                        <a:spcAft>
+                          <a:spcPts val="0"/>
+                        </a:spcAft>
+                      </a:pPr>
+                      <a:r>
+                        <a:rPr lang="de-DE" sz="900">
+                          <a:solidFill>
+                            <a:srgbClr val="FF0000"/>
+                          </a:solidFill>
+                          <a:effectLst/>
+                        </a:rPr>
+                        <a:t>den</a:t>
+                      </a:r>
+                      <a:endParaRPr lang="de-DE" sz="900">
+                        <a:solidFill>
+                          <a:srgbClr val="FF0000"/>
+                        </a:solidFill>
+                        <a:effectLst/>
+                        <a:latin typeface="Calibri" panose="020F0502020204030204" pitchFamily="34" charset="0"/>
+                        <a:ea typeface="Calibri" panose="020F0502020204030204" pitchFamily="34" charset="0"/>
+                        <a:cs typeface="Times New Roman" panose="02020603050405020304" pitchFamily="18" charset="0"/>
+                      </a:endParaRPr>
+                    </a:p>
+                  </a:txBody>
+                  <a:tcPr marL="53662" marR="53662" marT="0" marB="0" anchor="b"/>
+                </a:tc>
+                <a:tc>
+                  <a:txBody>
+                    <a:bodyPr/>
+                    <a:lstStyle/>
+                    <a:p>
+                      <a:pPr>
+                        <a:lnSpc>
+                          <a:spcPct val="107000"/>
+                        </a:lnSpc>
+                        <a:spcAft>
+                          <a:spcPts val="0"/>
+                        </a:spcAft>
+                      </a:pPr>
+                      <a:r>
+                        <a:rPr lang="de-DE" sz="900" dirty="0">
+                          <a:solidFill>
+                            <a:schemeClr val="bg1"/>
+                          </a:solidFill>
+                          <a:effectLst/>
+                        </a:rPr>
+                        <a:t>dich</a:t>
+                      </a:r>
+                      <a:endParaRPr lang="de-DE" sz="900" dirty="0">
+                        <a:solidFill>
+                          <a:schemeClr val="bg1"/>
+                        </a:solidFill>
+                        <a:effectLst/>
+                        <a:latin typeface="Calibri" panose="020F0502020204030204" pitchFamily="34" charset="0"/>
+                        <a:ea typeface="Calibri" panose="020F0502020204030204" pitchFamily="34" charset="0"/>
+                        <a:cs typeface="Times New Roman" panose="02020603050405020304" pitchFamily="18" charset="0"/>
+                      </a:endParaRPr>
+                    </a:p>
+                  </a:txBody>
+                  <a:tcPr marL="53662" marR="53662" marT="0" marB="0" anchor="b">
+                    <a:solidFill>
+                      <a:schemeClr val="tx2"/>
+                    </a:solidFill>
+                  </a:tcPr>
+                </a:tc>
+              </a:tr>
+              <a:tr h="101408">
+                <a:tc>
+                  <a:txBody>
+                    <a:bodyPr/>
+                    <a:lstStyle/>
+                    <a:p>
+                      <a:pPr>
+                        <a:lnSpc>
+                          <a:spcPct val="107000"/>
+                        </a:lnSpc>
+                        <a:spcAft>
+                          <a:spcPts val="0"/>
+                        </a:spcAft>
+                      </a:pPr>
+                      <a:r>
+                        <a:rPr lang="de-DE" sz="900">
+                          <a:solidFill>
+                            <a:srgbClr val="FF0000"/>
+                          </a:solidFill>
+                          <a:effectLst/>
+                        </a:rPr>
+                        <a:t>daÃŸ</a:t>
+                      </a:r>
+                      <a:endParaRPr lang="de-DE" sz="900">
+                        <a:solidFill>
+                          <a:srgbClr val="FF0000"/>
+                        </a:solidFill>
+                        <a:effectLst/>
+                        <a:latin typeface="Calibri" panose="020F0502020204030204" pitchFamily="34" charset="0"/>
+                        <a:ea typeface="Calibri" panose="020F0502020204030204" pitchFamily="34" charset="0"/>
+                        <a:cs typeface="Times New Roman" panose="02020603050405020304" pitchFamily="18" charset="0"/>
+                      </a:endParaRPr>
+                    </a:p>
+                  </a:txBody>
+                  <a:tcPr marL="53662" marR="53662" marT="0" marB="0" anchor="b"/>
+                </a:tc>
+                <a:tc>
+                  <a:txBody>
+                    <a:bodyPr/>
+                    <a:lstStyle/>
+                    <a:p>
+                      <a:pPr>
+                        <a:lnSpc>
+                          <a:spcPct val="107000"/>
+                        </a:lnSpc>
+                        <a:spcAft>
+                          <a:spcPts val="0"/>
+                        </a:spcAft>
+                      </a:pPr>
+                      <a:r>
+                        <a:rPr lang="de-DE" sz="900" dirty="0">
+                          <a:solidFill>
+                            <a:schemeClr val="bg1"/>
+                          </a:solidFill>
+                          <a:effectLst/>
+                        </a:rPr>
+                        <a:t>An</a:t>
+                      </a:r>
+                      <a:endParaRPr lang="de-DE" sz="900" dirty="0">
+                        <a:solidFill>
+                          <a:schemeClr val="bg1"/>
+                        </a:solidFill>
+                        <a:effectLst/>
+                        <a:latin typeface="Calibri" panose="020F0502020204030204" pitchFamily="34" charset="0"/>
+                        <a:ea typeface="Calibri" panose="020F0502020204030204" pitchFamily="34" charset="0"/>
+                        <a:cs typeface="Times New Roman" panose="02020603050405020304" pitchFamily="18" charset="0"/>
+                      </a:endParaRPr>
+                    </a:p>
+                  </a:txBody>
+                  <a:tcPr marL="53662" marR="53662" marT="0" marB="0" anchor="b">
+                    <a:solidFill>
+                      <a:schemeClr val="tx2"/>
+                    </a:solidFill>
+                  </a:tcPr>
+                </a:tc>
+              </a:tr>
+              <a:tr h="101408">
+                <a:tc>
+                  <a:txBody>
+                    <a:bodyPr/>
+                    <a:lstStyle/>
+                    <a:p>
+                      <a:pPr>
+                        <a:lnSpc>
+                          <a:spcPct val="107000"/>
+                        </a:lnSpc>
+                        <a:spcAft>
+                          <a:spcPts val="0"/>
+                        </a:spcAft>
+                      </a:pPr>
+                      <a:r>
+                        <a:rPr lang="de-DE" sz="900">
+                          <a:solidFill>
+                            <a:srgbClr val="FF0000"/>
+                          </a:solidFill>
+                          <a:effectLst/>
+                        </a:rPr>
+                        <a:t>wie</a:t>
+                      </a:r>
+                      <a:endParaRPr lang="de-DE" sz="900">
+                        <a:solidFill>
+                          <a:srgbClr val="FF0000"/>
+                        </a:solidFill>
+                        <a:effectLst/>
+                        <a:latin typeface="Calibri" panose="020F0502020204030204" pitchFamily="34" charset="0"/>
+                        <a:ea typeface="Calibri" panose="020F0502020204030204" pitchFamily="34" charset="0"/>
+                        <a:cs typeface="Times New Roman" panose="02020603050405020304" pitchFamily="18" charset="0"/>
+                      </a:endParaRPr>
+                    </a:p>
+                  </a:txBody>
+                  <a:tcPr marL="53662" marR="53662" marT="0" marB="0" anchor="b"/>
+                </a:tc>
+                <a:tc>
+                  <a:txBody>
+                    <a:bodyPr/>
+                    <a:lstStyle/>
+                    <a:p>
+                      <a:pPr>
+                        <a:lnSpc>
+                          <a:spcPct val="107000"/>
+                        </a:lnSpc>
+                        <a:spcAft>
+                          <a:spcPts val="0"/>
+                        </a:spcAft>
+                      </a:pPr>
+                      <a:r>
+                        <a:rPr lang="de-DE" sz="900" dirty="0">
+                          <a:solidFill>
+                            <a:srgbClr val="FF0000"/>
+                          </a:solidFill>
+                          <a:effectLst/>
+                        </a:rPr>
+                        <a:t>Den</a:t>
+                      </a:r>
+                      <a:endParaRPr lang="de-DE" sz="900" dirty="0">
+                        <a:solidFill>
+                          <a:srgbClr val="FF0000"/>
+                        </a:solidFill>
+                        <a:effectLst/>
+                        <a:latin typeface="Calibri" panose="020F0502020204030204" pitchFamily="34" charset="0"/>
+                        <a:ea typeface="Calibri" panose="020F0502020204030204" pitchFamily="34" charset="0"/>
+                        <a:cs typeface="Times New Roman" panose="02020603050405020304" pitchFamily="18" charset="0"/>
+                      </a:endParaRPr>
+                    </a:p>
+                  </a:txBody>
+                  <a:tcPr marL="53662" marR="53662" marT="0" marB="0" anchor="b">
+                    <a:solidFill>
+                      <a:schemeClr val="tx2"/>
+                    </a:solidFill>
+                  </a:tcPr>
+                </a:tc>
+              </a:tr>
+              <a:tr h="101408">
+                <a:tc>
+                  <a:txBody>
+                    <a:bodyPr/>
+                    <a:lstStyle/>
+                    <a:p>
+                      <a:pPr>
+                        <a:lnSpc>
+                          <a:spcPct val="107000"/>
+                        </a:lnSpc>
+                        <a:spcAft>
+                          <a:spcPts val="0"/>
+                        </a:spcAft>
+                      </a:pPr>
+                      <a:r>
+                        <a:rPr lang="de-DE" sz="900">
+                          <a:solidFill>
+                            <a:srgbClr val="FF0000"/>
+                          </a:solidFill>
+                          <a:effectLst/>
+                        </a:rPr>
+                        <a:t>In</a:t>
+                      </a:r>
+                      <a:endParaRPr lang="de-DE" sz="900">
+                        <a:solidFill>
+                          <a:srgbClr val="FF0000"/>
+                        </a:solidFill>
+                        <a:effectLst/>
+                        <a:latin typeface="Calibri" panose="020F0502020204030204" pitchFamily="34" charset="0"/>
+                        <a:ea typeface="Calibri" panose="020F0502020204030204" pitchFamily="34" charset="0"/>
+                        <a:cs typeface="Times New Roman" panose="02020603050405020304" pitchFamily="18" charset="0"/>
+                      </a:endParaRPr>
+                    </a:p>
+                  </a:txBody>
+                  <a:tcPr marL="53662" marR="53662" marT="0" marB="0" anchor="b"/>
+                </a:tc>
+                <a:tc>
+                  <a:txBody>
+                    <a:bodyPr/>
+                    <a:lstStyle/>
+                    <a:p>
+                      <a:pPr>
+                        <a:lnSpc>
+                          <a:spcPct val="107000"/>
+                        </a:lnSpc>
+                        <a:spcAft>
+                          <a:spcPts val="0"/>
+                        </a:spcAft>
+                      </a:pPr>
+                      <a:r>
+                        <a:rPr lang="de-DE" sz="900" dirty="0">
+                          <a:solidFill>
+                            <a:srgbClr val="FF0000"/>
+                          </a:solidFill>
+                          <a:effectLst/>
+                        </a:rPr>
+                        <a:t>Wie</a:t>
+                      </a:r>
+                      <a:endParaRPr lang="de-DE" sz="900" dirty="0">
+                        <a:solidFill>
+                          <a:srgbClr val="FF0000"/>
+                        </a:solidFill>
+                        <a:effectLst/>
+                        <a:latin typeface="Calibri" panose="020F0502020204030204" pitchFamily="34" charset="0"/>
+                        <a:ea typeface="Calibri" panose="020F0502020204030204" pitchFamily="34" charset="0"/>
+                        <a:cs typeface="Times New Roman" panose="02020603050405020304" pitchFamily="18" charset="0"/>
+                      </a:endParaRPr>
+                    </a:p>
+                  </a:txBody>
+                  <a:tcPr marL="53662" marR="53662" marT="0" marB="0" anchor="b">
+                    <a:solidFill>
+                      <a:schemeClr val="tx2"/>
+                    </a:solidFill>
+                  </a:tcPr>
+                </a:tc>
+              </a:tr>
+              <a:tr h="123052">
+                <a:tc>
+                  <a:txBody>
+                    <a:bodyPr/>
+                    <a:lstStyle/>
+                    <a:p>
+                      <a:pPr>
+                        <a:lnSpc>
+                          <a:spcPct val="107000"/>
+                        </a:lnSpc>
+                        <a:spcAft>
+                          <a:spcPts val="0"/>
+                        </a:spcAft>
+                      </a:pPr>
+                      <a:r>
+                        <a:rPr lang="de-DE" sz="900" dirty="0">
+                          <a:solidFill>
+                            <a:schemeClr val="bg1"/>
+                          </a:solidFill>
+                          <a:effectLst/>
+                        </a:rPr>
+                        <a:t>sich</a:t>
+                      </a:r>
+                      <a:endParaRPr lang="de-DE" sz="900" dirty="0">
+                        <a:solidFill>
+                          <a:schemeClr val="bg1"/>
+                        </a:solidFill>
+                        <a:effectLst/>
+                        <a:latin typeface="Calibri" panose="020F0502020204030204" pitchFamily="34" charset="0"/>
+                        <a:ea typeface="Calibri" panose="020F0502020204030204" pitchFamily="34" charset="0"/>
+                        <a:cs typeface="Times New Roman" panose="02020603050405020304" pitchFamily="18" charset="0"/>
+                      </a:endParaRPr>
+                    </a:p>
+                  </a:txBody>
+                  <a:tcPr marL="53662" marR="53662" marT="0" marB="0" anchor="b"/>
+                </a:tc>
+                <a:tc>
+                  <a:txBody>
+                    <a:bodyPr/>
+                    <a:lstStyle/>
+                    <a:p>
+                      <a:pPr>
+                        <a:lnSpc>
+                          <a:spcPct val="107000"/>
+                        </a:lnSpc>
+                        <a:spcAft>
+                          <a:spcPts val="0"/>
+                        </a:spcAft>
+                      </a:pPr>
+                      <a:r>
+                        <a:rPr lang="de-DE" sz="900" dirty="0">
+                          <a:solidFill>
+                            <a:srgbClr val="FF0000"/>
+                          </a:solidFill>
+                          <a:effectLst/>
+                        </a:rPr>
+                        <a:t>sein</a:t>
+                      </a:r>
+                      <a:endParaRPr lang="de-DE" sz="900" dirty="0">
+                        <a:solidFill>
+                          <a:srgbClr val="FF0000"/>
+                        </a:solidFill>
+                        <a:effectLst/>
+                        <a:latin typeface="Calibri" panose="020F0502020204030204" pitchFamily="34" charset="0"/>
+                        <a:ea typeface="Calibri" panose="020F0502020204030204" pitchFamily="34" charset="0"/>
+                        <a:cs typeface="Times New Roman" panose="02020603050405020304" pitchFamily="18" charset="0"/>
+                      </a:endParaRPr>
+                    </a:p>
+                  </a:txBody>
+                  <a:tcPr marL="53662" marR="53662" marT="0" marB="0" anchor="b">
+                    <a:solidFill>
+                      <a:schemeClr val="tx2"/>
+                    </a:solidFill>
+                  </a:tcPr>
+                </a:tc>
+              </a:tr>
+              <a:tr h="101408">
+                <a:tc>
+                  <a:txBody>
+                    <a:bodyPr/>
+                    <a:lstStyle/>
+                    <a:p>
+                      <a:pPr>
+                        <a:lnSpc>
+                          <a:spcPct val="107000"/>
+                        </a:lnSpc>
+                        <a:spcAft>
+                          <a:spcPts val="0"/>
+                        </a:spcAft>
+                      </a:pPr>
+                      <a:r>
+                        <a:rPr lang="de-DE" sz="900" dirty="0">
+                          <a:solidFill>
+                            <a:schemeClr val="bg1"/>
+                          </a:solidFill>
+                          <a:effectLst/>
+                        </a:rPr>
+                        <a:t>Ihn</a:t>
+                      </a:r>
+                      <a:endParaRPr lang="de-DE" sz="900" dirty="0">
+                        <a:solidFill>
+                          <a:schemeClr val="bg1"/>
+                        </a:solidFill>
+                        <a:effectLst/>
+                        <a:latin typeface="Calibri" panose="020F0502020204030204" pitchFamily="34" charset="0"/>
+                        <a:ea typeface="Calibri" panose="020F0502020204030204" pitchFamily="34" charset="0"/>
+                        <a:cs typeface="Times New Roman" panose="02020603050405020304" pitchFamily="18" charset="0"/>
+                      </a:endParaRPr>
+                    </a:p>
+                  </a:txBody>
+                  <a:tcPr marL="53662" marR="53662" marT="0" marB="0" anchor="b"/>
+                </a:tc>
+                <a:tc>
+                  <a:txBody>
+                    <a:bodyPr/>
+                    <a:lstStyle/>
+                    <a:p>
+                      <a:pPr>
+                        <a:lnSpc>
+                          <a:spcPct val="107000"/>
+                        </a:lnSpc>
+                        <a:spcAft>
+                          <a:spcPts val="0"/>
+                        </a:spcAft>
+                      </a:pPr>
+                      <a:r>
+                        <a:rPr lang="de-DE" sz="900" dirty="0">
+                          <a:solidFill>
+                            <a:srgbClr val="FF0000"/>
+                          </a:solidFill>
+                          <a:effectLst/>
+                        </a:rPr>
+                        <a:t>Er</a:t>
+                      </a:r>
+                      <a:endParaRPr lang="de-DE" sz="900" dirty="0">
+                        <a:solidFill>
+                          <a:srgbClr val="FF0000"/>
+                        </a:solidFill>
+                        <a:effectLst/>
+                        <a:latin typeface="Calibri" panose="020F0502020204030204" pitchFamily="34" charset="0"/>
+                        <a:ea typeface="Calibri" panose="020F0502020204030204" pitchFamily="34" charset="0"/>
+                        <a:cs typeface="Times New Roman" panose="02020603050405020304" pitchFamily="18" charset="0"/>
+                      </a:endParaRPr>
+                    </a:p>
+                  </a:txBody>
+                  <a:tcPr marL="53662" marR="53662" marT="0" marB="0" anchor="b">
+                    <a:solidFill>
+                      <a:schemeClr val="tx2"/>
+                    </a:solidFill>
+                  </a:tcPr>
+                </a:tc>
+              </a:tr>
+              <a:tr h="101408">
+                <a:tc>
+                  <a:txBody>
+                    <a:bodyPr/>
+                    <a:lstStyle/>
+                    <a:p>
+                      <a:pPr>
+                        <a:lnSpc>
+                          <a:spcPct val="107000"/>
+                        </a:lnSpc>
+                        <a:spcAft>
+                          <a:spcPts val="0"/>
+                        </a:spcAft>
+                      </a:pPr>
+                      <a:r>
+                        <a:rPr lang="de-DE" sz="900">
+                          <a:solidFill>
+                            <a:srgbClr val="FF0000"/>
+                          </a:solidFill>
+                          <a:effectLst/>
+                        </a:rPr>
+                        <a:t>mit</a:t>
+                      </a:r>
+                      <a:endParaRPr lang="de-DE" sz="900">
+                        <a:solidFill>
+                          <a:srgbClr val="FF0000"/>
+                        </a:solidFill>
+                        <a:effectLst/>
+                        <a:latin typeface="Calibri" panose="020F0502020204030204" pitchFamily="34" charset="0"/>
+                        <a:ea typeface="Calibri" panose="020F0502020204030204" pitchFamily="34" charset="0"/>
+                        <a:cs typeface="Times New Roman" panose="02020603050405020304" pitchFamily="18" charset="0"/>
+                      </a:endParaRPr>
+                    </a:p>
+                  </a:txBody>
+                  <a:tcPr marL="53662" marR="53662" marT="0" marB="0" anchor="b"/>
+                </a:tc>
+                <a:tc>
+                  <a:txBody>
+                    <a:bodyPr/>
+                    <a:lstStyle/>
+                    <a:p>
+                      <a:pPr>
+                        <a:lnSpc>
+                          <a:spcPct val="107000"/>
+                        </a:lnSpc>
+                        <a:spcAft>
+                          <a:spcPts val="0"/>
+                        </a:spcAft>
+                      </a:pPr>
+                      <a:r>
+                        <a:rPr lang="de-DE" sz="900" dirty="0">
+                          <a:solidFill>
+                            <a:schemeClr val="bg1"/>
+                          </a:solidFill>
+                          <a:effectLst/>
+                        </a:rPr>
+                        <a:t>Ihr</a:t>
+                      </a:r>
+                      <a:endParaRPr lang="de-DE" sz="900" dirty="0">
+                        <a:solidFill>
+                          <a:schemeClr val="bg1"/>
+                        </a:solidFill>
+                        <a:effectLst/>
+                        <a:latin typeface="Calibri" panose="020F0502020204030204" pitchFamily="34" charset="0"/>
+                        <a:ea typeface="Calibri" panose="020F0502020204030204" pitchFamily="34" charset="0"/>
+                        <a:cs typeface="Times New Roman" panose="02020603050405020304" pitchFamily="18" charset="0"/>
+                      </a:endParaRPr>
+                    </a:p>
+                  </a:txBody>
+                  <a:tcPr marL="53662" marR="53662" marT="0" marB="0" anchor="b">
+                    <a:solidFill>
+                      <a:schemeClr val="tx2"/>
+                    </a:solidFill>
+                  </a:tcPr>
+                </a:tc>
+              </a:tr>
+              <a:tr h="101408">
+                <a:tc>
+                  <a:txBody>
+                    <a:bodyPr/>
+                    <a:lstStyle/>
+                    <a:p>
+                      <a:pPr>
+                        <a:lnSpc>
+                          <a:spcPct val="107000"/>
+                        </a:lnSpc>
+                        <a:spcAft>
+                          <a:spcPts val="0"/>
+                        </a:spcAft>
+                      </a:pPr>
+                      <a:r>
+                        <a:rPr lang="de-DE" sz="900" dirty="0">
+                          <a:solidFill>
+                            <a:srgbClr val="FF0000"/>
+                          </a:solidFill>
+                          <a:effectLst/>
+                        </a:rPr>
+                        <a:t>Dir</a:t>
+                      </a:r>
+                      <a:endParaRPr lang="de-DE" sz="900" dirty="0">
+                        <a:solidFill>
+                          <a:srgbClr val="FF0000"/>
+                        </a:solidFill>
+                        <a:effectLst/>
+                        <a:latin typeface="Calibri" panose="020F0502020204030204" pitchFamily="34" charset="0"/>
+                        <a:ea typeface="Calibri" panose="020F0502020204030204" pitchFamily="34" charset="0"/>
+                        <a:cs typeface="Times New Roman" panose="02020603050405020304" pitchFamily="18" charset="0"/>
+                      </a:endParaRPr>
+                    </a:p>
+                  </a:txBody>
+                  <a:tcPr marL="53662" marR="53662" marT="0" marB="0" anchor="b"/>
+                </a:tc>
+                <a:tc>
+                  <a:txBody>
+                    <a:bodyPr/>
+                    <a:lstStyle/>
+                    <a:p>
+                      <a:pPr>
+                        <a:lnSpc>
+                          <a:spcPct val="107000"/>
+                        </a:lnSpc>
+                        <a:spcAft>
+                          <a:spcPts val="0"/>
+                        </a:spcAft>
+                      </a:pPr>
+                      <a:r>
+                        <a:rPr lang="de-DE" sz="900" dirty="0">
+                          <a:solidFill>
+                            <a:srgbClr val="FF0000"/>
+                          </a:solidFill>
+                          <a:effectLst/>
+                        </a:rPr>
+                        <a:t>Sie</a:t>
+                      </a:r>
+                      <a:endParaRPr lang="de-DE" sz="900" dirty="0">
+                        <a:solidFill>
+                          <a:srgbClr val="FF0000"/>
+                        </a:solidFill>
+                        <a:effectLst/>
+                        <a:latin typeface="Calibri" panose="020F0502020204030204" pitchFamily="34" charset="0"/>
+                        <a:ea typeface="Calibri" panose="020F0502020204030204" pitchFamily="34" charset="0"/>
+                        <a:cs typeface="Times New Roman" panose="02020603050405020304" pitchFamily="18" charset="0"/>
+                      </a:endParaRPr>
+                    </a:p>
+                  </a:txBody>
+                  <a:tcPr marL="53662" marR="53662" marT="0" marB="0" anchor="b">
+                    <a:solidFill>
+                      <a:schemeClr val="tx2"/>
+                    </a:solidFill>
+                  </a:tcPr>
+                </a:tc>
+              </a:tr>
+            </a:tbl>
+          </a:graphicData>
+        </a:graphic>
+      </p:graphicFrame>
     </p:spTree>
     <p:extLst>
       <p:ext uri="{BB962C8B-B14F-4D97-AF65-F5344CB8AC3E}">
@@ -4455,6 +7120,13 @@
   <p:clrMapOvr>
     <a:masterClrMapping/>
   </p:clrMapOvr>
+  <p:timing>
+    <p:tnLst>
+      <p:par>
+        <p:cTn id="1" dur="indefinite" restart="never" nodeType="tmRoot"/>
+      </p:par>
+    </p:tnLst>
+  </p:timing>
 </p:sld>
 </file>
 
@@ -4654,7 +7326,7 @@
           <a:p>
             <a:fld id="{D39B93D3-AA18-4D2F-93EC-56712FB7A759}" type="datetime1">
               <a:rPr lang="de-DE" smtClean="0"/>
-              <a:t>28.04.2015</a:t>
+              <a:t>01.05.2015</a:t>
             </a:fld>
             <a:endParaRPr lang="de-DE"/>
           </a:p>
@@ -4701,6 +7373,1980 @@
             <a:fld id="{2330A4B3-4A2D-41F8-ABB6-3A93FC7C65B9}" type="slidenum">
               <a:rPr lang="de-DE" smtClean="0"/>
               <a:t>3</a:t>
+            </a:fld>
+            <a:endParaRPr lang="de-DE"/>
+          </a:p>
+        </p:txBody>
+      </p:sp>
+      <p:sp>
+        <p:nvSpPr>
+          <p:cNvPr id="19" name="Line 23"/>
+          <p:cNvSpPr>
+            <a:spLocks noChangeShapeType="1"/>
+          </p:cNvSpPr>
+          <p:nvPr/>
+        </p:nvSpPr>
+        <p:spPr bwMode="auto">
+          <a:xfrm flipV="1">
+            <a:off x="101600" y="1313355"/>
+            <a:ext cx="8940800" cy="1"/>
+          </a:xfrm>
+          <a:prstGeom prst="line">
+            <a:avLst/>
+          </a:prstGeom>
+          <a:noFill/>
+          <a:ln w="9525">
+            <a:solidFill>
+              <a:schemeClr val="tx1">
+                <a:lumMod val="85000"/>
+                <a:lumOff val="15000"/>
+              </a:schemeClr>
+            </a:solidFill>
+            <a:round/>
+            <a:headEnd/>
+            <a:tailEnd/>
+          </a:ln>
+        </p:spPr>
+        <p:txBody>
+          <a:bodyPr/>
+          <a:lstStyle/>
+          <a:p>
+            <a:endParaRPr lang="de-DE"/>
+          </a:p>
+        </p:txBody>
+      </p:sp>
+      <p:sp>
+        <p:nvSpPr>
+          <p:cNvPr id="20" name="Textfeld 19"/>
+          <p:cNvSpPr txBox="1"/>
+          <p:nvPr/>
+        </p:nvSpPr>
+        <p:spPr>
+          <a:xfrm>
+            <a:off x="101600" y="621321"/>
+            <a:ext cx="7061196" cy="461665"/>
+          </a:xfrm>
+          <a:prstGeom prst="rect">
+            <a:avLst/>
+          </a:prstGeom>
+          <a:noFill/>
+        </p:spPr>
+        <p:txBody>
+          <a:bodyPr wrap="square" rtlCol="0">
+            <a:spAutoFit/>
+          </a:bodyPr>
+          <a:lstStyle/>
+          <a:p>
+            <a:r>
+              <a:rPr lang="de-DE" sz="2400" b="1" dirty="0" smtClean="0"/>
+              <a:t>Aufgabe: 2 </a:t>
+            </a:r>
+            <a:r>
+              <a:rPr lang="de-DE" sz="2400" b="1" dirty="0" smtClean="0"/>
+              <a:t>b)</a:t>
+            </a:r>
+            <a:endParaRPr lang="de-DE" dirty="0"/>
+          </a:p>
+        </p:txBody>
+      </p:sp>
+      <p:sp>
+        <p:nvSpPr>
+          <p:cNvPr id="2" name="Textfeld 1"/>
+          <p:cNvSpPr txBox="1"/>
+          <p:nvPr/>
+        </p:nvSpPr>
+        <p:spPr>
+          <a:xfrm>
+            <a:off x="203200" y="1505875"/>
+            <a:ext cx="8839200" cy="1754326"/>
+          </a:xfrm>
+          <a:prstGeom prst="rect">
+            <a:avLst/>
+          </a:prstGeom>
+          <a:noFill/>
+        </p:spPr>
+        <p:txBody>
+          <a:bodyPr wrap="square" rtlCol="0">
+            <a:spAutoFit/>
+          </a:bodyPr>
+          <a:lstStyle/>
+          <a:p>
+            <a:pPr lvl="0"/>
+            <a:r>
+              <a:rPr lang="de-DE" dirty="0" smtClean="0"/>
+              <a:t>Nach dem die Stoppwörter aus dem Ranking entfernt wurden,</a:t>
+            </a:r>
+          </a:p>
+          <a:p>
+            <a:pPr lvl="0"/>
+            <a:r>
+              <a:rPr lang="de-DE" dirty="0" smtClean="0"/>
+              <a:t>Gibt es nur noch 6 Übereinstimmungen in den 30 häufigsten</a:t>
+            </a:r>
+          </a:p>
+          <a:p>
+            <a:pPr lvl="0"/>
+            <a:r>
+              <a:rPr lang="de-DE" dirty="0" smtClean="0"/>
+              <a:t> Wörtern. Dies lässt würde bei einer Klassifizierung der beiden</a:t>
+            </a:r>
+          </a:p>
+          <a:p>
+            <a:pPr lvl="0"/>
+            <a:r>
+              <a:rPr lang="de-DE" dirty="0" smtClean="0"/>
+              <a:t>Texte dazu führen das sie Wahrscheinlich in zwei verschiedene</a:t>
+            </a:r>
+          </a:p>
+          <a:p>
+            <a:pPr lvl="0"/>
+            <a:r>
+              <a:rPr lang="de-DE" dirty="0" smtClean="0"/>
+              <a:t>Klassen sortiert werden. </a:t>
+            </a:r>
+          </a:p>
+          <a:p>
+            <a:pPr lvl="0"/>
+            <a:endParaRPr lang="de-DE" dirty="0"/>
+          </a:p>
+        </p:txBody>
+      </p:sp>
+      <p:graphicFrame>
+        <p:nvGraphicFramePr>
+          <p:cNvPr id="3" name="Tabelle 2"/>
+          <p:cNvGraphicFramePr>
+            <a:graphicFrameLocks noGrp="1"/>
+          </p:cNvGraphicFramePr>
+          <p:nvPr>
+            <p:extLst>
+              <p:ext uri="{D42A27DB-BD31-4B8C-83A1-F6EECF244321}">
+                <p14:modId xmlns:p14="http://schemas.microsoft.com/office/powerpoint/2010/main" val="79028430"/>
+              </p:ext>
+            </p:extLst>
+          </p:nvPr>
+        </p:nvGraphicFramePr>
+        <p:xfrm>
+          <a:off x="6115050" y="1224454"/>
+          <a:ext cx="2980457" cy="5011411"/>
+        </p:xfrm>
+        <a:graphic>
+          <a:graphicData uri="http://schemas.openxmlformats.org/drawingml/2006/table">
+            <a:tbl>
+              <a:tblPr firstRow="1" firstCol="1" bandRow="1">
+                <a:tableStyleId>{5C22544A-7EE6-4342-B048-85BDC9FD1C3A}</a:tableStyleId>
+              </a:tblPr>
+              <a:tblGrid>
+                <a:gridCol w="1479417"/>
+                <a:gridCol w="1501040"/>
+              </a:tblGrid>
+              <a:tr h="101408">
+                <a:tc>
+                  <a:txBody>
+                    <a:bodyPr/>
+                    <a:lstStyle/>
+                    <a:p>
+                      <a:pPr>
+                        <a:lnSpc>
+                          <a:spcPct val="107000"/>
+                        </a:lnSpc>
+                        <a:spcAft>
+                          <a:spcPts val="0"/>
+                        </a:spcAft>
+                      </a:pPr>
+                      <a:r>
+                        <a:rPr lang="de-DE" sz="900" dirty="0">
+                          <a:effectLst/>
+                        </a:rPr>
+                        <a:t>Text Geschwister</a:t>
+                      </a:r>
+                      <a:endParaRPr lang="de-DE" sz="900" dirty="0">
+                        <a:effectLst/>
+                        <a:latin typeface="Calibri" panose="020F0502020204030204" pitchFamily="34" charset="0"/>
+                        <a:ea typeface="Calibri" panose="020F0502020204030204" pitchFamily="34" charset="0"/>
+                        <a:cs typeface="Times New Roman" panose="02020603050405020304" pitchFamily="18" charset="0"/>
+                      </a:endParaRPr>
+                    </a:p>
+                  </a:txBody>
+                  <a:tcPr marL="53662" marR="53662" marT="0" marB="0"/>
+                </a:tc>
+                <a:tc>
+                  <a:txBody>
+                    <a:bodyPr/>
+                    <a:lstStyle/>
+                    <a:p>
+                      <a:pPr>
+                        <a:lnSpc>
+                          <a:spcPct val="107000"/>
+                        </a:lnSpc>
+                        <a:spcAft>
+                          <a:spcPts val="0"/>
+                        </a:spcAft>
+                      </a:pPr>
+                      <a:r>
+                        <a:rPr lang="de-DE" sz="900" dirty="0">
+                          <a:effectLst/>
+                        </a:rPr>
+                        <a:t>Text </a:t>
+                      </a:r>
+                      <a:r>
+                        <a:rPr lang="de-DE" sz="900" dirty="0" err="1">
+                          <a:effectLst/>
+                        </a:rPr>
+                        <a:t>Jederman</a:t>
+                      </a:r>
+                      <a:endParaRPr lang="de-DE" sz="900" dirty="0">
+                        <a:effectLst/>
+                        <a:latin typeface="Calibri" panose="020F0502020204030204" pitchFamily="34" charset="0"/>
+                        <a:ea typeface="Calibri" panose="020F0502020204030204" pitchFamily="34" charset="0"/>
+                        <a:cs typeface="Times New Roman" panose="02020603050405020304" pitchFamily="18" charset="0"/>
+                      </a:endParaRPr>
+                    </a:p>
+                  </a:txBody>
+                  <a:tcPr marL="53662" marR="53662" marT="0" marB="0">
+                    <a:solidFill>
+                      <a:schemeClr val="tx2"/>
+                    </a:solidFill>
+                  </a:tcPr>
+                </a:tc>
+              </a:tr>
+              <a:tr h="101408">
+                <a:tc>
+                  <a:txBody>
+                    <a:bodyPr/>
+                    <a:lstStyle/>
+                    <a:p>
+                      <a:pPr algn="l" fontAlgn="b"/>
+                      <a:r>
+                        <a:rPr lang="de-DE" sz="1000" b="0" i="0" u="none" strike="noStrike" dirty="0" err="1">
+                          <a:solidFill>
+                            <a:schemeClr val="bg1"/>
+                          </a:solidFill>
+                          <a:effectLst/>
+                          <a:latin typeface="Calibri" panose="020F0502020204030204" pitchFamily="34" charset="0"/>
+                        </a:rPr>
+                        <a:t>marianne</a:t>
+                      </a:r>
+                      <a:endParaRPr lang="de-DE" sz="1000" b="0" i="0" u="none" strike="noStrike" dirty="0">
+                        <a:solidFill>
+                          <a:schemeClr val="bg1"/>
+                        </a:solidFill>
+                        <a:effectLst/>
+                        <a:latin typeface="Calibri" panose="020F0502020204030204" pitchFamily="34" charset="0"/>
+                      </a:endParaRPr>
+                    </a:p>
+                  </a:txBody>
+                  <a:tcPr marL="9525" marR="9525" marT="9525" marB="0" anchor="b"/>
+                </a:tc>
+                <a:tc>
+                  <a:txBody>
+                    <a:bodyPr/>
+                    <a:lstStyle/>
+                    <a:p>
+                      <a:pPr algn="l" fontAlgn="b"/>
+                      <a:r>
+                        <a:rPr lang="de-DE" sz="1000" b="0" i="0" u="none" strike="noStrike" dirty="0">
+                          <a:solidFill>
+                            <a:schemeClr val="bg1"/>
+                          </a:solidFill>
+                          <a:effectLst/>
+                          <a:latin typeface="Calibri" panose="020F0502020204030204" pitchFamily="34" charset="0"/>
+                        </a:rPr>
+                        <a:t>jedermann</a:t>
+                      </a:r>
+                    </a:p>
+                  </a:txBody>
+                  <a:tcPr marL="9525" marR="9525" marT="9525" marB="0" anchor="b">
+                    <a:solidFill>
+                      <a:schemeClr val="tx2"/>
+                    </a:solidFill>
+                  </a:tcPr>
+                </a:tc>
+              </a:tr>
+              <a:tr h="101408">
+                <a:tc>
+                  <a:txBody>
+                    <a:bodyPr/>
+                    <a:lstStyle/>
+                    <a:p>
+                      <a:pPr algn="l" fontAlgn="b"/>
+                      <a:r>
+                        <a:rPr lang="de-DE" sz="1000" b="0" i="0" u="none" strike="noStrike" dirty="0" err="1">
+                          <a:solidFill>
+                            <a:schemeClr val="bg1"/>
+                          </a:solidFill>
+                          <a:effectLst/>
+                          <a:latin typeface="Calibri" panose="020F0502020204030204" pitchFamily="34" charset="0"/>
+                        </a:rPr>
+                        <a:t>fabrice</a:t>
+                      </a:r>
+                      <a:endParaRPr lang="de-DE" sz="1000" b="0" i="0" u="none" strike="noStrike" dirty="0">
+                        <a:solidFill>
+                          <a:schemeClr val="bg1"/>
+                        </a:solidFill>
+                        <a:effectLst/>
+                        <a:latin typeface="Calibri" panose="020F0502020204030204" pitchFamily="34" charset="0"/>
+                      </a:endParaRPr>
+                    </a:p>
+                  </a:txBody>
+                  <a:tcPr marL="9525" marR="9525" marT="9525" marB="0" anchor="b"/>
+                </a:tc>
+                <a:tc>
+                  <a:txBody>
+                    <a:bodyPr/>
+                    <a:lstStyle/>
+                    <a:p>
+                      <a:pPr algn="l" fontAlgn="b"/>
+                      <a:r>
+                        <a:rPr lang="de-DE" sz="1000" b="0" i="0" u="none" strike="noStrike">
+                          <a:solidFill>
+                            <a:schemeClr val="bg1"/>
+                          </a:solidFill>
+                          <a:effectLst/>
+                          <a:latin typeface="Calibri" panose="020F0502020204030204" pitchFamily="34" charset="0"/>
+                        </a:rPr>
+                        <a:t>nit</a:t>
+                      </a:r>
+                    </a:p>
+                  </a:txBody>
+                  <a:tcPr marL="9525" marR="9525" marT="9525" marB="0" anchor="b">
+                    <a:solidFill>
+                      <a:schemeClr val="tx2"/>
+                    </a:solidFill>
+                  </a:tcPr>
+                </a:tc>
+              </a:tr>
+              <a:tr h="168837">
+                <a:tc>
+                  <a:txBody>
+                    <a:bodyPr/>
+                    <a:lstStyle/>
+                    <a:p>
+                      <a:pPr algn="l" fontAlgn="b"/>
+                      <a:r>
+                        <a:rPr lang="de-DE" sz="1000" b="0" i="0" u="none" strike="noStrike" dirty="0" err="1">
+                          <a:solidFill>
+                            <a:schemeClr val="bg1"/>
+                          </a:solidFill>
+                          <a:effectLst/>
+                          <a:latin typeface="Calibri" panose="020F0502020204030204" pitchFamily="34" charset="0"/>
+                        </a:rPr>
+                        <a:t>wilhelm</a:t>
+                      </a:r>
+                      <a:endParaRPr lang="de-DE" sz="1000" b="0" i="0" u="none" strike="noStrike" dirty="0">
+                        <a:solidFill>
+                          <a:schemeClr val="bg1"/>
+                        </a:solidFill>
+                        <a:effectLst/>
+                        <a:latin typeface="Calibri" panose="020F0502020204030204" pitchFamily="34" charset="0"/>
+                      </a:endParaRPr>
+                    </a:p>
+                  </a:txBody>
+                  <a:tcPr marL="9525" marR="9525" marT="9525" marB="0" anchor="b"/>
+                </a:tc>
+                <a:tc>
+                  <a:txBody>
+                    <a:bodyPr/>
+                    <a:lstStyle/>
+                    <a:p>
+                      <a:pPr algn="l" fontAlgn="b"/>
+                      <a:r>
+                        <a:rPr lang="de-DE" sz="1000" b="0" i="0" u="none" strike="noStrike" dirty="0" err="1">
+                          <a:solidFill>
+                            <a:schemeClr val="bg1"/>
+                          </a:solidFill>
+                          <a:effectLst/>
+                          <a:latin typeface="Calibri" panose="020F0502020204030204" pitchFamily="34" charset="0"/>
+                        </a:rPr>
+                        <a:t>vetter</a:t>
+                      </a:r>
+                      <a:endParaRPr lang="de-DE" sz="1000" b="0" i="0" u="none" strike="noStrike" dirty="0">
+                        <a:solidFill>
+                          <a:schemeClr val="bg1"/>
+                        </a:solidFill>
+                        <a:effectLst/>
+                        <a:latin typeface="Calibri" panose="020F0502020204030204" pitchFamily="34" charset="0"/>
+                      </a:endParaRPr>
+                    </a:p>
+                  </a:txBody>
+                  <a:tcPr marL="9525" marR="9525" marT="9525" marB="0" anchor="b">
+                    <a:solidFill>
+                      <a:schemeClr val="tx2"/>
+                    </a:solidFill>
+                  </a:tcPr>
+                </a:tc>
+              </a:tr>
+              <a:tr h="101408">
+                <a:tc>
+                  <a:txBody>
+                    <a:bodyPr/>
+                    <a:lstStyle/>
+                    <a:p>
+                      <a:pPr algn="l" fontAlgn="b"/>
+                      <a:r>
+                        <a:rPr lang="de-DE" sz="1000" b="0" i="0" u="none" strike="noStrike">
+                          <a:solidFill>
+                            <a:schemeClr val="bg1"/>
+                          </a:solidFill>
+                          <a:effectLst/>
+                          <a:latin typeface="Calibri" panose="020F0502020204030204" pitchFamily="34" charset="0"/>
+                        </a:rPr>
+                        <a:t>s</a:t>
+                      </a:r>
+                    </a:p>
+                  </a:txBody>
+                  <a:tcPr marL="9525" marR="9525" marT="9525" marB="0" anchor="b"/>
+                </a:tc>
+                <a:tc>
+                  <a:txBody>
+                    <a:bodyPr/>
+                    <a:lstStyle/>
+                    <a:p>
+                      <a:pPr algn="l" fontAlgn="b"/>
+                      <a:r>
+                        <a:rPr lang="de-DE" sz="1000" b="0" i="0" u="none" strike="noStrike" dirty="0">
+                          <a:solidFill>
+                            <a:schemeClr val="bg1"/>
+                          </a:solidFill>
+                          <a:effectLst/>
+                          <a:latin typeface="Calibri" panose="020F0502020204030204" pitchFamily="34" charset="0"/>
+                        </a:rPr>
+                        <a:t>gesell</a:t>
+                      </a:r>
+                    </a:p>
+                  </a:txBody>
+                  <a:tcPr marL="9525" marR="9525" marT="9525" marB="0" anchor="b">
+                    <a:solidFill>
+                      <a:schemeClr val="tx2"/>
+                    </a:solidFill>
+                  </a:tcPr>
+                </a:tc>
+              </a:tr>
+              <a:tr h="101408">
+                <a:tc>
+                  <a:txBody>
+                    <a:bodyPr/>
+                    <a:lstStyle/>
+                    <a:p>
+                      <a:pPr algn="l" fontAlgn="b"/>
+                      <a:r>
+                        <a:rPr lang="de-DE" sz="1000" b="0" i="0" u="none" strike="noStrike">
+                          <a:solidFill>
+                            <a:schemeClr val="bg1"/>
+                          </a:solidFill>
+                          <a:effectLst/>
+                          <a:latin typeface="Calibri" panose="020F0502020204030204" pitchFamily="34" charset="0"/>
+                        </a:rPr>
+                        <a:t>bruder</a:t>
+                      </a:r>
+                    </a:p>
+                  </a:txBody>
+                  <a:tcPr marL="9525" marR="9525" marT="9525" marB="0" anchor="b"/>
+                </a:tc>
+                <a:tc>
+                  <a:txBody>
+                    <a:bodyPr/>
+                    <a:lstStyle/>
+                    <a:p>
+                      <a:pPr algn="l" fontAlgn="b"/>
+                      <a:r>
+                        <a:rPr lang="de-DE" sz="1000" b="0" i="0" u="none" strike="noStrike" dirty="0">
+                          <a:solidFill>
+                            <a:schemeClr val="bg1"/>
+                          </a:solidFill>
+                          <a:effectLst/>
+                          <a:latin typeface="Calibri" panose="020F0502020204030204" pitchFamily="34" charset="0"/>
+                        </a:rPr>
+                        <a:t>werke</a:t>
+                      </a:r>
+                    </a:p>
+                  </a:txBody>
+                  <a:tcPr marL="9525" marR="9525" marT="9525" marB="0" anchor="b">
+                    <a:solidFill>
+                      <a:schemeClr val="tx2"/>
+                    </a:solidFill>
+                  </a:tcPr>
+                </a:tc>
+              </a:tr>
+              <a:tr h="101408">
+                <a:tc>
+                  <a:txBody>
+                    <a:bodyPr/>
+                    <a:lstStyle/>
+                    <a:p>
+                      <a:pPr algn="l" fontAlgn="b"/>
+                      <a:r>
+                        <a:rPr lang="de-DE" sz="1000" b="0" i="0" u="none" strike="noStrike" dirty="0">
+                          <a:solidFill>
+                            <a:schemeClr val="bg1"/>
+                          </a:solidFill>
+                          <a:effectLst/>
+                          <a:latin typeface="Calibri" panose="020F0502020204030204" pitchFamily="34" charset="0"/>
+                        </a:rPr>
+                        <a:t>immer</a:t>
+                      </a:r>
+                    </a:p>
+                  </a:txBody>
+                  <a:tcPr marL="9525" marR="9525" marT="9525" marB="0" anchor="b"/>
+                </a:tc>
+                <a:tc>
+                  <a:txBody>
+                    <a:bodyPr/>
+                    <a:lstStyle/>
+                    <a:p>
+                      <a:pPr algn="l" fontAlgn="b"/>
+                      <a:r>
+                        <a:rPr lang="de-DE" sz="1000" b="0" i="0" u="none" strike="noStrike" dirty="0">
+                          <a:solidFill>
+                            <a:srgbClr val="FF0000"/>
+                          </a:solidFill>
+                          <a:effectLst/>
+                          <a:latin typeface="Calibri" panose="020F0502020204030204" pitchFamily="34" charset="0"/>
+                        </a:rPr>
+                        <a:t>recht</a:t>
+                      </a:r>
+                    </a:p>
+                  </a:txBody>
+                  <a:tcPr marL="9525" marR="9525" marT="9525" marB="0" anchor="b">
+                    <a:solidFill>
+                      <a:schemeClr val="tx2"/>
+                    </a:solidFill>
+                  </a:tcPr>
+                </a:tc>
+              </a:tr>
+              <a:tr h="101408">
+                <a:tc>
+                  <a:txBody>
+                    <a:bodyPr/>
+                    <a:lstStyle/>
+                    <a:p>
+                      <a:pPr algn="l" fontAlgn="b"/>
+                      <a:r>
+                        <a:rPr lang="de-DE" sz="1000" b="0" i="0" u="none" strike="noStrike" dirty="0">
+                          <a:solidFill>
+                            <a:srgbClr val="FF0000"/>
+                          </a:solidFill>
+                          <a:effectLst/>
+                          <a:latin typeface="Calibri" panose="020F0502020204030204" pitchFamily="34" charset="0"/>
+                        </a:rPr>
+                        <a:t>wohl</a:t>
+                      </a:r>
+                    </a:p>
+                  </a:txBody>
+                  <a:tcPr marL="9525" marR="9525" marT="9525" marB="0" anchor="b"/>
+                </a:tc>
+                <a:tc>
+                  <a:txBody>
+                    <a:bodyPr/>
+                    <a:lstStyle/>
+                    <a:p>
+                      <a:pPr algn="l" fontAlgn="b"/>
+                      <a:r>
+                        <a:rPr lang="de-DE" sz="1000" b="0" i="0" u="none" strike="noStrike" dirty="0">
+                          <a:solidFill>
+                            <a:srgbClr val="FF0000"/>
+                          </a:solidFill>
+                          <a:effectLst/>
+                          <a:latin typeface="Calibri" panose="020F0502020204030204" pitchFamily="34" charset="0"/>
+                        </a:rPr>
+                        <a:t>geht</a:t>
+                      </a:r>
+                    </a:p>
+                  </a:txBody>
+                  <a:tcPr marL="9525" marR="9525" marT="9525" marB="0" anchor="b">
+                    <a:solidFill>
+                      <a:schemeClr val="tx2"/>
+                    </a:solidFill>
+                  </a:tcPr>
+                </a:tc>
+              </a:tr>
+              <a:tr h="101408">
+                <a:tc>
+                  <a:txBody>
+                    <a:bodyPr/>
+                    <a:lstStyle/>
+                    <a:p>
+                      <a:pPr algn="l" fontAlgn="b"/>
+                      <a:r>
+                        <a:rPr lang="de-DE" sz="1000" b="0" i="0" u="none" strike="noStrike">
+                          <a:solidFill>
+                            <a:schemeClr val="bg1"/>
+                          </a:solidFill>
+                          <a:effectLst/>
+                          <a:latin typeface="Calibri" panose="020F0502020204030204" pitchFamily="34" charset="0"/>
+                        </a:rPr>
+                        <a:t>liebe</a:t>
+                      </a:r>
+                    </a:p>
+                  </a:txBody>
+                  <a:tcPr marL="9525" marR="9525" marT="9525" marB="0" anchor="b"/>
+                </a:tc>
+                <a:tc>
+                  <a:txBody>
+                    <a:bodyPr/>
+                    <a:lstStyle/>
+                    <a:p>
+                      <a:pPr algn="l" fontAlgn="b"/>
+                      <a:r>
+                        <a:rPr lang="de-DE" sz="1000" b="0" i="0" u="none" strike="noStrike">
+                          <a:solidFill>
+                            <a:schemeClr val="bg1"/>
+                          </a:solidFill>
+                          <a:effectLst/>
+                          <a:latin typeface="Calibri" panose="020F0502020204030204" pitchFamily="34" charset="0"/>
+                        </a:rPr>
+                        <a:t>ja</a:t>
+                      </a:r>
+                    </a:p>
+                  </a:txBody>
+                  <a:tcPr marL="9525" marR="9525" marT="9525" marB="0" anchor="b">
+                    <a:solidFill>
+                      <a:schemeClr val="tx2"/>
+                    </a:solidFill>
+                  </a:tcPr>
+                </a:tc>
+              </a:tr>
+              <a:tr h="101408">
+                <a:tc>
+                  <a:txBody>
+                    <a:bodyPr/>
+                    <a:lstStyle/>
+                    <a:p>
+                      <a:pPr algn="l" fontAlgn="b"/>
+                      <a:r>
+                        <a:rPr lang="de-DE" sz="1000" b="0" i="0" u="none" strike="noStrike" dirty="0" err="1">
+                          <a:solidFill>
+                            <a:srgbClr val="FF0000"/>
+                          </a:solidFill>
+                          <a:effectLst/>
+                          <a:latin typeface="Calibri" panose="020F0502020204030204" pitchFamily="34" charset="0"/>
+                        </a:rPr>
+                        <a:t>muÃŸ</a:t>
+                      </a:r>
+                      <a:endParaRPr lang="de-DE" sz="1000" b="0" i="0" u="none" strike="noStrike" dirty="0">
+                        <a:solidFill>
+                          <a:srgbClr val="FF0000"/>
+                        </a:solidFill>
+                        <a:effectLst/>
+                        <a:latin typeface="Calibri" panose="020F0502020204030204" pitchFamily="34" charset="0"/>
+                      </a:endParaRPr>
+                    </a:p>
+                  </a:txBody>
+                  <a:tcPr marL="9525" marR="9525" marT="9525" marB="0" anchor="b"/>
+                </a:tc>
+                <a:tc>
+                  <a:txBody>
+                    <a:bodyPr/>
+                    <a:lstStyle/>
+                    <a:p>
+                      <a:pPr algn="l" fontAlgn="b"/>
+                      <a:r>
+                        <a:rPr lang="de-DE" sz="1000" b="0" i="0" u="none" strike="noStrike" dirty="0" err="1">
+                          <a:solidFill>
+                            <a:schemeClr val="bg1"/>
+                          </a:solidFill>
+                          <a:effectLst/>
+                          <a:latin typeface="Calibri" panose="020F0502020204030204" pitchFamily="34" charset="0"/>
+                        </a:rPr>
+                        <a:t>tod</a:t>
+                      </a:r>
+                      <a:endParaRPr lang="de-DE" sz="1000" b="0" i="0" u="none" strike="noStrike" dirty="0">
+                        <a:solidFill>
+                          <a:schemeClr val="bg1"/>
+                        </a:solidFill>
+                        <a:effectLst/>
+                        <a:latin typeface="Calibri" panose="020F0502020204030204" pitchFamily="34" charset="0"/>
+                      </a:endParaRPr>
+                    </a:p>
+                  </a:txBody>
+                  <a:tcPr marL="9525" marR="9525" marT="9525" marB="0" anchor="b">
+                    <a:solidFill>
+                      <a:schemeClr val="tx2"/>
+                    </a:solidFill>
+                  </a:tcPr>
+                </a:tc>
+              </a:tr>
+              <a:tr h="101408">
+                <a:tc>
+                  <a:txBody>
+                    <a:bodyPr/>
+                    <a:lstStyle/>
+                    <a:p>
+                      <a:pPr algn="l" fontAlgn="b"/>
+                      <a:r>
+                        <a:rPr lang="de-DE" sz="1000" b="0" i="0" u="none" strike="noStrike" dirty="0">
+                          <a:solidFill>
+                            <a:schemeClr val="bg1"/>
+                          </a:solidFill>
+                          <a:effectLst/>
+                          <a:latin typeface="Calibri" panose="020F0502020204030204" pitchFamily="34" charset="0"/>
+                        </a:rPr>
+                        <a:t>sagen</a:t>
+                      </a:r>
+                    </a:p>
+                  </a:txBody>
+                  <a:tcPr marL="9525" marR="9525" marT="9525" marB="0" anchor="b"/>
+                </a:tc>
+                <a:tc>
+                  <a:txBody>
+                    <a:bodyPr/>
+                    <a:lstStyle/>
+                    <a:p>
+                      <a:pPr algn="l" fontAlgn="b"/>
+                      <a:r>
+                        <a:rPr lang="de-DE" sz="1000" b="0" i="0" u="none" strike="noStrike" dirty="0" err="1">
+                          <a:solidFill>
+                            <a:schemeClr val="bg1"/>
+                          </a:solidFill>
+                          <a:effectLst/>
+                          <a:latin typeface="Calibri" panose="020F0502020204030204" pitchFamily="34" charset="0"/>
+                        </a:rPr>
+                        <a:t>gott</a:t>
+                      </a:r>
+                      <a:endParaRPr lang="de-DE" sz="1000" b="0" i="0" u="none" strike="noStrike" dirty="0">
+                        <a:solidFill>
+                          <a:schemeClr val="bg1"/>
+                        </a:solidFill>
+                        <a:effectLst/>
+                        <a:latin typeface="Calibri" panose="020F0502020204030204" pitchFamily="34" charset="0"/>
+                      </a:endParaRPr>
+                    </a:p>
+                  </a:txBody>
+                  <a:tcPr marL="9525" marR="9525" marT="9525" marB="0" anchor="b">
+                    <a:solidFill>
+                      <a:schemeClr val="tx2"/>
+                    </a:solidFill>
+                  </a:tcPr>
+                </a:tc>
+              </a:tr>
+              <a:tr h="101408">
+                <a:tc>
+                  <a:txBody>
+                    <a:bodyPr/>
+                    <a:lstStyle/>
+                    <a:p>
+                      <a:pPr algn="l" fontAlgn="b"/>
+                      <a:r>
+                        <a:rPr lang="de-DE" sz="1000" b="0" i="0" u="none" strike="noStrike">
+                          <a:solidFill>
+                            <a:schemeClr val="bg1"/>
+                          </a:solidFill>
+                          <a:effectLst/>
+                          <a:latin typeface="Calibri" panose="020F0502020204030204" pitchFamily="34" charset="0"/>
+                        </a:rPr>
+                        <a:t>manchmal</a:t>
+                      </a:r>
+                    </a:p>
+                  </a:txBody>
+                  <a:tcPr marL="9525" marR="9525" marT="9525" marB="0" anchor="b"/>
+                </a:tc>
+                <a:tc>
+                  <a:txBody>
+                    <a:bodyPr/>
+                    <a:lstStyle/>
+                    <a:p>
+                      <a:pPr algn="l" fontAlgn="b"/>
+                      <a:r>
+                        <a:rPr lang="de-DE" sz="1000" b="0" i="0" u="none" strike="noStrike">
+                          <a:solidFill>
+                            <a:schemeClr val="bg1"/>
+                          </a:solidFill>
+                          <a:effectLst/>
+                          <a:latin typeface="Calibri" panose="020F0502020204030204" pitchFamily="34" charset="0"/>
+                        </a:rPr>
+                        <a:t>mutter</a:t>
+                      </a:r>
+                    </a:p>
+                  </a:txBody>
+                  <a:tcPr marL="9525" marR="9525" marT="9525" marB="0" anchor="b">
+                    <a:solidFill>
+                      <a:schemeClr val="tx2"/>
+                    </a:solidFill>
+                  </a:tcPr>
+                </a:tc>
+              </a:tr>
+              <a:tr h="101408">
+                <a:tc>
+                  <a:txBody>
+                    <a:bodyPr/>
+                    <a:lstStyle/>
+                    <a:p>
+                      <a:pPr algn="l" fontAlgn="b"/>
+                      <a:r>
+                        <a:rPr lang="de-DE" sz="1000" b="0" i="0" u="none" strike="noStrike">
+                          <a:solidFill>
+                            <a:schemeClr val="bg1"/>
+                          </a:solidFill>
+                          <a:effectLst/>
+                          <a:latin typeface="Calibri" panose="020F0502020204030204" pitchFamily="34" charset="0"/>
+                        </a:rPr>
+                        <a:t>herz</a:t>
+                      </a:r>
+                    </a:p>
+                  </a:txBody>
+                  <a:tcPr marL="9525" marR="9525" marT="9525" marB="0" anchor="b"/>
+                </a:tc>
+                <a:tc>
+                  <a:txBody>
+                    <a:bodyPr/>
+                    <a:lstStyle/>
+                    <a:p>
+                      <a:pPr algn="l" fontAlgn="b"/>
+                      <a:r>
+                        <a:rPr lang="de-DE" sz="1000" b="0" i="0" u="none" strike="noStrike" dirty="0">
+                          <a:solidFill>
+                            <a:schemeClr val="bg1"/>
+                          </a:solidFill>
+                          <a:effectLst/>
+                          <a:latin typeface="Calibri" panose="020F0502020204030204" pitchFamily="34" charset="0"/>
+                        </a:rPr>
+                        <a:t>glaube</a:t>
+                      </a:r>
+                    </a:p>
+                  </a:txBody>
+                  <a:tcPr marL="9525" marR="9525" marT="9525" marB="0" anchor="b">
+                    <a:solidFill>
+                      <a:schemeClr val="tx2"/>
+                    </a:solidFill>
+                  </a:tcPr>
+                </a:tc>
+              </a:tr>
+              <a:tr h="101408">
+                <a:tc>
+                  <a:txBody>
+                    <a:bodyPr/>
+                    <a:lstStyle/>
+                    <a:p>
+                      <a:pPr algn="l" fontAlgn="b"/>
+                      <a:r>
+                        <a:rPr lang="de-DE" sz="1000" b="0" i="0" u="none" strike="noStrike">
+                          <a:solidFill>
+                            <a:schemeClr val="bg1"/>
+                          </a:solidFill>
+                          <a:effectLst/>
+                          <a:latin typeface="Calibri" panose="020F0502020204030204" pitchFamily="34" charset="0"/>
+                        </a:rPr>
+                        <a:t>ganz</a:t>
+                      </a:r>
+                    </a:p>
+                  </a:txBody>
+                  <a:tcPr marL="9525" marR="9525" marT="9525" marB="0" anchor="b"/>
+                </a:tc>
+                <a:tc>
+                  <a:txBody>
+                    <a:bodyPr/>
+                    <a:lstStyle/>
+                    <a:p>
+                      <a:pPr algn="l" fontAlgn="b"/>
+                      <a:r>
+                        <a:rPr lang="de-DE" sz="1000" b="0" i="0" u="none" strike="noStrike" dirty="0">
+                          <a:solidFill>
+                            <a:schemeClr val="bg1"/>
+                          </a:solidFill>
+                          <a:effectLst/>
+                          <a:latin typeface="Calibri" panose="020F0502020204030204" pitchFamily="34" charset="0"/>
+                        </a:rPr>
+                        <a:t>gar</a:t>
+                      </a:r>
+                    </a:p>
+                  </a:txBody>
+                  <a:tcPr marL="9525" marR="9525" marT="9525" marB="0" anchor="b">
+                    <a:solidFill>
+                      <a:schemeClr val="tx2"/>
+                    </a:solidFill>
+                  </a:tcPr>
+                </a:tc>
+              </a:tr>
+              <a:tr h="101408">
+                <a:tc>
+                  <a:txBody>
+                    <a:bodyPr/>
+                    <a:lstStyle/>
+                    <a:p>
+                      <a:pPr algn="l" fontAlgn="b"/>
+                      <a:r>
+                        <a:rPr lang="de-DE" sz="1000" b="0" i="0" u="none" strike="noStrike">
+                          <a:solidFill>
+                            <a:schemeClr val="bg1"/>
+                          </a:solidFill>
+                          <a:effectLst/>
+                          <a:latin typeface="Calibri" panose="020F0502020204030204" pitchFamily="34" charset="0"/>
+                        </a:rPr>
+                        <a:t>gut</a:t>
+                      </a:r>
+                    </a:p>
+                  </a:txBody>
+                  <a:tcPr marL="9525" marR="9525" marT="9525" marB="0" anchor="b"/>
+                </a:tc>
+                <a:tc>
+                  <a:txBody>
+                    <a:bodyPr/>
+                    <a:lstStyle/>
+                    <a:p>
+                      <a:pPr algn="l" fontAlgn="b"/>
+                      <a:r>
+                        <a:rPr lang="de-DE" sz="1000" b="0" i="0" u="none" strike="noStrike" dirty="0">
+                          <a:solidFill>
+                            <a:schemeClr val="bg1"/>
+                          </a:solidFill>
+                          <a:effectLst/>
+                          <a:latin typeface="Calibri" panose="020F0502020204030204" pitchFamily="34" charset="0"/>
+                        </a:rPr>
+                        <a:t>o</a:t>
+                      </a:r>
+                    </a:p>
+                  </a:txBody>
+                  <a:tcPr marL="9525" marR="9525" marT="9525" marB="0" anchor="b">
+                    <a:solidFill>
+                      <a:schemeClr val="tx2"/>
+                    </a:solidFill>
+                  </a:tcPr>
+                </a:tc>
+              </a:tr>
+              <a:tr h="119553">
+                <a:tc>
+                  <a:txBody>
+                    <a:bodyPr/>
+                    <a:lstStyle/>
+                    <a:p>
+                      <a:pPr algn="l" fontAlgn="b"/>
+                      <a:r>
+                        <a:rPr lang="de-DE" sz="1000" b="0" i="0" u="none" strike="noStrike">
+                          <a:solidFill>
+                            <a:schemeClr val="bg1"/>
+                          </a:solidFill>
+                          <a:effectLst/>
+                          <a:latin typeface="Calibri" panose="020F0502020204030204" pitchFamily="34" charset="0"/>
+                        </a:rPr>
+                        <a:t>ab</a:t>
+                      </a:r>
+                    </a:p>
+                  </a:txBody>
+                  <a:tcPr marL="9525" marR="9525" marT="9525" marB="0" anchor="b"/>
+                </a:tc>
+                <a:tc>
+                  <a:txBody>
+                    <a:bodyPr/>
+                    <a:lstStyle/>
+                    <a:p>
+                      <a:pPr algn="l" fontAlgn="b"/>
+                      <a:r>
+                        <a:rPr lang="de-DE" sz="1000" b="0" i="0" u="none" strike="noStrike" dirty="0">
+                          <a:solidFill>
+                            <a:srgbClr val="FF0000"/>
+                          </a:solidFill>
+                          <a:effectLst/>
+                          <a:latin typeface="Calibri" panose="020F0502020204030204" pitchFamily="34" charset="0"/>
+                        </a:rPr>
+                        <a:t>wohl</a:t>
+                      </a:r>
+                    </a:p>
+                  </a:txBody>
+                  <a:tcPr marL="9525" marR="9525" marT="9525" marB="0" anchor="b">
+                    <a:solidFill>
+                      <a:schemeClr val="tx2"/>
+                    </a:solidFill>
+                  </a:tcPr>
+                </a:tc>
+              </a:tr>
+              <a:tr h="101408">
+                <a:tc>
+                  <a:txBody>
+                    <a:bodyPr/>
+                    <a:lstStyle/>
+                    <a:p>
+                      <a:pPr algn="l" fontAlgn="b"/>
+                      <a:r>
+                        <a:rPr lang="de-DE" sz="1000" b="0" i="0" u="none" strike="noStrike">
+                          <a:solidFill>
+                            <a:schemeClr val="bg1"/>
+                          </a:solidFill>
+                          <a:effectLst/>
+                          <a:latin typeface="Calibri" panose="020F0502020204030204" pitchFamily="34" charset="0"/>
+                        </a:rPr>
+                        <a:t>gar</a:t>
+                      </a:r>
+                    </a:p>
+                  </a:txBody>
+                  <a:tcPr marL="9525" marR="9525" marT="9525" marB="0" anchor="b"/>
+                </a:tc>
+                <a:tc>
+                  <a:txBody>
+                    <a:bodyPr/>
+                    <a:lstStyle/>
+                    <a:p>
+                      <a:pPr algn="l" fontAlgn="b"/>
+                      <a:r>
+                        <a:rPr lang="de-DE" sz="1000" b="0" i="0" u="none" strike="noStrike" dirty="0" err="1">
+                          <a:solidFill>
+                            <a:schemeClr val="bg1"/>
+                          </a:solidFill>
+                          <a:effectLst/>
+                          <a:latin typeface="Calibri" panose="020F0502020204030204" pitchFamily="34" charset="0"/>
+                        </a:rPr>
+                        <a:t>geld</a:t>
+                      </a:r>
+                      <a:endParaRPr lang="de-DE" sz="1000" b="0" i="0" u="none" strike="noStrike" dirty="0">
+                        <a:solidFill>
+                          <a:schemeClr val="bg1"/>
+                        </a:solidFill>
+                        <a:effectLst/>
+                        <a:latin typeface="Calibri" panose="020F0502020204030204" pitchFamily="34" charset="0"/>
+                      </a:endParaRPr>
+                    </a:p>
+                  </a:txBody>
+                  <a:tcPr marL="9525" marR="9525" marT="9525" marB="0" anchor="b">
+                    <a:solidFill>
+                      <a:schemeClr val="tx2"/>
+                    </a:solidFill>
+                  </a:tcPr>
+                </a:tc>
+              </a:tr>
+              <a:tr h="101408">
+                <a:tc>
+                  <a:txBody>
+                    <a:bodyPr/>
+                    <a:lstStyle/>
+                    <a:p>
+                      <a:pPr algn="l" fontAlgn="b"/>
+                      <a:r>
+                        <a:rPr lang="de-DE" sz="1000" b="0" i="0" u="none" strike="noStrike">
+                          <a:solidFill>
+                            <a:schemeClr val="bg1"/>
+                          </a:solidFill>
+                          <a:effectLst/>
+                          <a:latin typeface="Calibri" panose="020F0502020204030204" pitchFamily="34" charset="0"/>
+                        </a:rPr>
+                        <a:t>nein</a:t>
+                      </a:r>
+                    </a:p>
+                  </a:txBody>
+                  <a:tcPr marL="9525" marR="9525" marT="9525" marB="0" anchor="b"/>
+                </a:tc>
+                <a:tc>
+                  <a:txBody>
+                    <a:bodyPr/>
+                    <a:lstStyle/>
+                    <a:p>
+                      <a:pPr algn="l" fontAlgn="b"/>
+                      <a:r>
+                        <a:rPr lang="de-DE" sz="1000" b="0" i="0" u="none" strike="noStrike" dirty="0" err="1">
+                          <a:solidFill>
+                            <a:srgbClr val="FF0000"/>
+                          </a:solidFill>
+                          <a:effectLst/>
+                          <a:latin typeface="Calibri" panose="020F0502020204030204" pitchFamily="34" charset="0"/>
+                        </a:rPr>
+                        <a:t>muÃŸ</a:t>
+                      </a:r>
+                      <a:endParaRPr lang="de-DE" sz="1000" b="0" i="0" u="none" strike="noStrike" dirty="0">
+                        <a:solidFill>
+                          <a:srgbClr val="FF0000"/>
+                        </a:solidFill>
+                        <a:effectLst/>
+                        <a:latin typeface="Calibri" panose="020F0502020204030204" pitchFamily="34" charset="0"/>
+                      </a:endParaRPr>
+                    </a:p>
+                  </a:txBody>
+                  <a:tcPr marL="9525" marR="9525" marT="9525" marB="0" anchor="b">
+                    <a:solidFill>
+                      <a:schemeClr val="tx2"/>
+                    </a:solidFill>
+                  </a:tcPr>
+                </a:tc>
+              </a:tr>
+              <a:tr h="101408">
+                <a:tc>
+                  <a:txBody>
+                    <a:bodyPr/>
+                    <a:lstStyle/>
+                    <a:p>
+                      <a:pPr algn="l" fontAlgn="b"/>
+                      <a:r>
+                        <a:rPr lang="de-DE" sz="1000" b="0" i="0" u="none" strike="noStrike">
+                          <a:solidFill>
+                            <a:schemeClr val="bg1"/>
+                          </a:solidFill>
+                          <a:effectLst/>
+                          <a:latin typeface="Calibri" panose="020F0502020204030204" pitchFamily="34" charset="0"/>
+                        </a:rPr>
+                        <a:t>glÃ¼cklich</a:t>
+                      </a:r>
+                    </a:p>
+                  </a:txBody>
+                  <a:tcPr marL="9525" marR="9525" marT="9525" marB="0" anchor="b"/>
+                </a:tc>
+                <a:tc>
+                  <a:txBody>
+                    <a:bodyPr/>
+                    <a:lstStyle/>
+                    <a:p>
+                      <a:pPr algn="l" fontAlgn="b"/>
+                      <a:r>
+                        <a:rPr lang="de-DE" sz="1000" b="0" i="0" u="none" strike="noStrike" dirty="0">
+                          <a:solidFill>
+                            <a:schemeClr val="bg1"/>
+                          </a:solidFill>
+                          <a:effectLst/>
+                          <a:latin typeface="Calibri" panose="020F0502020204030204" pitchFamily="34" charset="0"/>
+                        </a:rPr>
+                        <a:t>kommt</a:t>
+                      </a:r>
+                    </a:p>
+                  </a:txBody>
+                  <a:tcPr marL="9525" marR="9525" marT="9525" marB="0" anchor="b">
+                    <a:solidFill>
+                      <a:schemeClr val="tx2"/>
+                    </a:solidFill>
+                  </a:tcPr>
+                </a:tc>
+              </a:tr>
+              <a:tr h="101408">
+                <a:tc>
+                  <a:txBody>
+                    <a:bodyPr/>
+                    <a:lstStyle/>
+                    <a:p>
+                      <a:pPr algn="l" fontAlgn="b"/>
+                      <a:r>
+                        <a:rPr lang="de-DE" sz="1000" b="0" i="0" u="none" strike="noStrike">
+                          <a:solidFill>
+                            <a:schemeClr val="bg1"/>
+                          </a:solidFill>
+                          <a:effectLst/>
+                          <a:latin typeface="Calibri" panose="020F0502020204030204" pitchFamily="34" charset="0"/>
+                        </a:rPr>
+                        <a:t>weiÃŸ</a:t>
+                      </a:r>
+                    </a:p>
+                  </a:txBody>
+                  <a:tcPr marL="9525" marR="9525" marT="9525" marB="0" anchor="b"/>
+                </a:tc>
+                <a:tc>
+                  <a:txBody>
+                    <a:bodyPr/>
+                    <a:lstStyle/>
+                    <a:p>
+                      <a:pPr algn="l" fontAlgn="b"/>
+                      <a:r>
+                        <a:rPr lang="de-DE" sz="1000" b="0" i="0" u="none" strike="noStrike" dirty="0">
+                          <a:solidFill>
+                            <a:schemeClr val="bg1"/>
+                          </a:solidFill>
+                          <a:effectLst/>
+                          <a:latin typeface="Calibri" panose="020F0502020204030204" pitchFamily="34" charset="0"/>
+                        </a:rPr>
+                        <a:t>jedermanns</a:t>
+                      </a:r>
+                    </a:p>
+                  </a:txBody>
+                  <a:tcPr marL="9525" marR="9525" marT="9525" marB="0" anchor="b">
+                    <a:solidFill>
+                      <a:schemeClr val="tx2"/>
+                    </a:solidFill>
+                  </a:tcPr>
+                </a:tc>
+              </a:tr>
+              <a:tr h="132367">
+                <a:tc>
+                  <a:txBody>
+                    <a:bodyPr/>
+                    <a:lstStyle/>
+                    <a:p>
+                      <a:pPr algn="l" fontAlgn="b"/>
+                      <a:r>
+                        <a:rPr lang="de-DE" sz="1000" b="0" i="0" u="none" strike="noStrike" dirty="0">
+                          <a:solidFill>
+                            <a:srgbClr val="FF0000"/>
+                          </a:solidFill>
+                          <a:effectLst/>
+                          <a:latin typeface="Calibri" panose="020F0502020204030204" pitchFamily="34" charset="0"/>
+                        </a:rPr>
+                        <a:t>hast</a:t>
+                      </a:r>
+                    </a:p>
+                  </a:txBody>
+                  <a:tcPr marL="9525" marR="9525" marT="9525" marB="0" anchor="b"/>
+                </a:tc>
+                <a:tc>
+                  <a:txBody>
+                    <a:bodyPr/>
+                    <a:lstStyle/>
+                    <a:p>
+                      <a:pPr algn="l" fontAlgn="b"/>
+                      <a:r>
+                        <a:rPr lang="de-DE" sz="1000" b="0" i="0" u="none" strike="noStrike" dirty="0" err="1">
+                          <a:solidFill>
+                            <a:schemeClr val="bg1"/>
+                          </a:solidFill>
+                          <a:effectLst/>
+                          <a:latin typeface="Calibri" panose="020F0502020204030204" pitchFamily="34" charset="0"/>
+                        </a:rPr>
+                        <a:t>mann</a:t>
+                      </a:r>
+                      <a:endParaRPr lang="de-DE" sz="1000" b="0" i="0" u="none" strike="noStrike" dirty="0">
+                        <a:solidFill>
+                          <a:schemeClr val="bg1"/>
+                        </a:solidFill>
+                        <a:effectLst/>
+                        <a:latin typeface="Calibri" panose="020F0502020204030204" pitchFamily="34" charset="0"/>
+                      </a:endParaRPr>
+                    </a:p>
+                  </a:txBody>
+                  <a:tcPr marL="9525" marR="9525" marT="9525" marB="0" anchor="b">
+                    <a:solidFill>
+                      <a:schemeClr val="tx2"/>
+                    </a:solidFill>
+                  </a:tcPr>
+                </a:tc>
+              </a:tr>
+              <a:tr h="101408">
+                <a:tc>
+                  <a:txBody>
+                    <a:bodyPr/>
+                    <a:lstStyle/>
+                    <a:p>
+                      <a:pPr algn="l" fontAlgn="b"/>
+                      <a:r>
+                        <a:rPr lang="de-DE" sz="1000" b="0" i="0" u="none" strike="noStrike" dirty="0">
+                          <a:solidFill>
+                            <a:srgbClr val="FF0000"/>
+                          </a:solidFill>
+                          <a:effectLst/>
+                          <a:latin typeface="Calibri" panose="020F0502020204030204" pitchFamily="34" charset="0"/>
+                        </a:rPr>
+                        <a:t>recht</a:t>
+                      </a:r>
+                    </a:p>
+                  </a:txBody>
+                  <a:tcPr marL="9525" marR="9525" marT="9525" marB="0" anchor="b"/>
+                </a:tc>
+                <a:tc>
+                  <a:txBody>
+                    <a:bodyPr/>
+                    <a:lstStyle/>
+                    <a:p>
+                      <a:pPr algn="l" fontAlgn="b"/>
+                      <a:r>
+                        <a:rPr lang="de-DE" sz="1000" b="0" i="0" u="none" strike="noStrike">
+                          <a:solidFill>
+                            <a:schemeClr val="bg1"/>
+                          </a:solidFill>
+                          <a:effectLst/>
+                          <a:latin typeface="Calibri" panose="020F0502020204030204" pitchFamily="34" charset="0"/>
+                        </a:rPr>
+                        <a:t>weiÃŸ</a:t>
+                      </a:r>
+                    </a:p>
+                  </a:txBody>
+                  <a:tcPr marL="9525" marR="9525" marT="9525" marB="0" anchor="b">
+                    <a:solidFill>
+                      <a:schemeClr val="tx2"/>
+                    </a:solidFill>
+                  </a:tcPr>
+                </a:tc>
+              </a:tr>
+              <a:tr h="101408">
+                <a:tc>
+                  <a:txBody>
+                    <a:bodyPr/>
+                    <a:lstStyle/>
+                    <a:p>
+                      <a:pPr algn="l" fontAlgn="b"/>
+                      <a:r>
+                        <a:rPr lang="de-DE" sz="1000" b="0" i="0" u="none" strike="noStrike" dirty="0">
+                          <a:solidFill>
+                            <a:srgbClr val="FF0000"/>
+                          </a:solidFill>
+                          <a:effectLst/>
+                          <a:latin typeface="Calibri" panose="020F0502020204030204" pitchFamily="34" charset="0"/>
+                        </a:rPr>
+                        <a:t>geht</a:t>
+                      </a:r>
+                    </a:p>
+                  </a:txBody>
+                  <a:tcPr marL="9525" marR="9525" marT="9525" marB="0" anchor="b"/>
+                </a:tc>
+                <a:tc>
+                  <a:txBody>
+                    <a:bodyPr/>
+                    <a:lstStyle/>
+                    <a:p>
+                      <a:pPr algn="l" fontAlgn="b"/>
+                      <a:r>
+                        <a:rPr lang="de-DE" sz="1000" b="0" i="0" u="none" strike="noStrike">
+                          <a:solidFill>
+                            <a:schemeClr val="bg1"/>
+                          </a:solidFill>
+                          <a:effectLst/>
+                          <a:latin typeface="Calibri" panose="020F0502020204030204" pitchFamily="34" charset="0"/>
+                        </a:rPr>
+                        <a:t>wÃ¤r</a:t>
+                      </a:r>
+                    </a:p>
+                  </a:txBody>
+                  <a:tcPr marL="9525" marR="9525" marT="9525" marB="0" anchor="b">
+                    <a:solidFill>
+                      <a:schemeClr val="tx2"/>
+                    </a:solidFill>
+                  </a:tcPr>
+                </a:tc>
+              </a:tr>
+              <a:tr h="101408">
+                <a:tc>
+                  <a:txBody>
+                    <a:bodyPr/>
+                    <a:lstStyle/>
+                    <a:p>
+                      <a:pPr algn="l" fontAlgn="b"/>
+                      <a:r>
+                        <a:rPr lang="de-DE" sz="1000" b="0" i="0" u="none" strike="noStrike">
+                          <a:solidFill>
+                            <a:schemeClr val="bg1"/>
+                          </a:solidFill>
+                          <a:effectLst/>
+                          <a:latin typeface="Calibri" panose="020F0502020204030204" pitchFamily="34" charset="0"/>
+                        </a:rPr>
+                        <a:t>wÃ¤re</a:t>
+                      </a:r>
+                    </a:p>
+                  </a:txBody>
+                  <a:tcPr marL="9525" marR="9525" marT="9525" marB="0" anchor="b"/>
+                </a:tc>
+                <a:tc>
+                  <a:txBody>
+                    <a:bodyPr/>
+                    <a:lstStyle/>
+                    <a:p>
+                      <a:pPr algn="l" fontAlgn="b"/>
+                      <a:r>
+                        <a:rPr lang="de-DE" sz="1000" b="0" i="0" u="none" strike="noStrike" dirty="0">
+                          <a:solidFill>
+                            <a:srgbClr val="FF0000"/>
+                          </a:solidFill>
+                          <a:effectLst/>
+                          <a:latin typeface="Calibri" panose="020F0502020204030204" pitchFamily="34" charset="0"/>
+                        </a:rPr>
+                        <a:t>hast</a:t>
+                      </a:r>
+                    </a:p>
+                  </a:txBody>
+                  <a:tcPr marL="9525" marR="9525" marT="9525" marB="0" anchor="b">
+                    <a:solidFill>
+                      <a:schemeClr val="tx2"/>
+                    </a:solidFill>
+                  </a:tcPr>
+                </a:tc>
+              </a:tr>
+              <a:tr h="101408">
+                <a:tc>
+                  <a:txBody>
+                    <a:bodyPr/>
+                    <a:lstStyle/>
+                    <a:p>
+                      <a:pPr algn="l" fontAlgn="b"/>
+                      <a:r>
+                        <a:rPr lang="de-DE" sz="1000" b="0" i="0" u="none" strike="noStrike">
+                          <a:solidFill>
+                            <a:schemeClr val="bg1"/>
+                          </a:solidFill>
+                          <a:effectLst/>
+                          <a:latin typeface="Calibri" panose="020F0502020204030204" pitchFamily="34" charset="0"/>
+                        </a:rPr>
+                        <a:t>nie</a:t>
+                      </a:r>
+                    </a:p>
+                  </a:txBody>
+                  <a:tcPr marL="9525" marR="9525" marT="9525" marB="0" anchor="b"/>
+                </a:tc>
+                <a:tc>
+                  <a:txBody>
+                    <a:bodyPr/>
+                    <a:lstStyle/>
+                    <a:p>
+                      <a:pPr algn="l" fontAlgn="b"/>
+                      <a:r>
+                        <a:rPr lang="de-DE" sz="1000" b="0" i="0" u="none" strike="noStrike" dirty="0">
+                          <a:solidFill>
+                            <a:srgbClr val="FF0000"/>
+                          </a:solidFill>
+                          <a:effectLst/>
+                          <a:latin typeface="Calibri" panose="020F0502020204030204" pitchFamily="34" charset="0"/>
+                        </a:rPr>
+                        <a:t>schon</a:t>
+                      </a:r>
+                    </a:p>
+                  </a:txBody>
+                  <a:tcPr marL="9525" marR="9525" marT="9525" marB="0" anchor="b">
+                    <a:solidFill>
+                      <a:schemeClr val="tx2"/>
+                    </a:solidFill>
+                  </a:tcPr>
+                </a:tc>
+              </a:tr>
+              <a:tr h="101408">
+                <a:tc>
+                  <a:txBody>
+                    <a:bodyPr/>
+                    <a:lstStyle/>
+                    <a:p>
+                      <a:pPr algn="l" fontAlgn="b"/>
+                      <a:r>
+                        <a:rPr lang="de-DE" sz="1000" b="0" i="0" u="none" strike="noStrike">
+                          <a:solidFill>
+                            <a:schemeClr val="bg1"/>
+                          </a:solidFill>
+                          <a:effectLst/>
+                          <a:latin typeface="Calibri" panose="020F0502020204030204" pitchFamily="34" charset="0"/>
+                        </a:rPr>
+                        <a:t>gern</a:t>
+                      </a:r>
+                    </a:p>
+                  </a:txBody>
+                  <a:tcPr marL="9525" marR="9525" marT="9525" marB="0" anchor="b"/>
+                </a:tc>
+                <a:tc>
+                  <a:txBody>
+                    <a:bodyPr/>
+                    <a:lstStyle/>
+                    <a:p>
+                      <a:pPr algn="l" fontAlgn="b"/>
+                      <a:r>
+                        <a:rPr lang="de-DE" sz="1000" b="0" i="0" u="none" strike="noStrike" dirty="0" err="1">
+                          <a:solidFill>
+                            <a:schemeClr val="bg1"/>
+                          </a:solidFill>
+                          <a:effectLst/>
+                          <a:latin typeface="Calibri" panose="020F0502020204030204" pitchFamily="34" charset="0"/>
+                        </a:rPr>
+                        <a:t>buhlschaft</a:t>
+                      </a:r>
+                      <a:endParaRPr lang="de-DE" sz="1000" b="0" i="0" u="none" strike="noStrike" dirty="0">
+                        <a:solidFill>
+                          <a:schemeClr val="bg1"/>
+                        </a:solidFill>
+                        <a:effectLst/>
+                        <a:latin typeface="Calibri" panose="020F0502020204030204" pitchFamily="34" charset="0"/>
+                      </a:endParaRPr>
+                    </a:p>
+                  </a:txBody>
+                  <a:tcPr marL="9525" marR="9525" marT="9525" marB="0" anchor="b">
+                    <a:solidFill>
+                      <a:schemeClr val="tx2"/>
+                    </a:solidFill>
+                  </a:tcPr>
+                </a:tc>
+              </a:tr>
+              <a:tr h="101408">
+                <a:tc>
+                  <a:txBody>
+                    <a:bodyPr/>
+                    <a:lstStyle/>
+                    <a:p>
+                      <a:pPr algn="l" fontAlgn="b"/>
+                      <a:r>
+                        <a:rPr lang="de-DE" sz="1000" b="0" i="0" u="none" strike="noStrike">
+                          <a:solidFill>
+                            <a:schemeClr val="bg1"/>
+                          </a:solidFill>
+                          <a:effectLst/>
+                          <a:latin typeface="Calibri" panose="020F0502020204030204" pitchFamily="34" charset="0"/>
+                        </a:rPr>
+                        <a:t>lieb</a:t>
+                      </a:r>
+                    </a:p>
+                  </a:txBody>
+                  <a:tcPr marL="9525" marR="9525" marT="9525" marB="0" anchor="b"/>
+                </a:tc>
+                <a:tc>
+                  <a:txBody>
+                    <a:bodyPr/>
+                    <a:lstStyle/>
+                    <a:p>
+                      <a:pPr algn="l" fontAlgn="b"/>
+                      <a:r>
+                        <a:rPr lang="de-DE" sz="1000" b="0" i="0" u="none" strike="noStrike" dirty="0">
+                          <a:solidFill>
+                            <a:schemeClr val="bg1"/>
+                          </a:solidFill>
+                          <a:effectLst/>
+                          <a:latin typeface="Calibri" panose="020F0502020204030204" pitchFamily="34" charset="0"/>
+                        </a:rPr>
+                        <a:t>dicker</a:t>
+                      </a:r>
+                    </a:p>
+                  </a:txBody>
+                  <a:tcPr marL="9525" marR="9525" marT="9525" marB="0" anchor="b">
+                    <a:solidFill>
+                      <a:schemeClr val="tx2"/>
+                    </a:solidFill>
+                  </a:tcPr>
+                </a:tc>
+              </a:tr>
+              <a:tr h="123052">
+                <a:tc>
+                  <a:txBody>
+                    <a:bodyPr/>
+                    <a:lstStyle/>
+                    <a:p>
+                      <a:pPr algn="l" fontAlgn="b"/>
+                      <a:r>
+                        <a:rPr lang="de-DE" sz="1000" b="0" i="0" u="none" strike="noStrike">
+                          <a:solidFill>
+                            <a:schemeClr val="bg1"/>
+                          </a:solidFill>
+                          <a:effectLst/>
+                          <a:latin typeface="Calibri" panose="020F0502020204030204" pitchFamily="34" charset="0"/>
+                        </a:rPr>
+                        <a:t>leben</a:t>
+                      </a:r>
+                    </a:p>
+                  </a:txBody>
+                  <a:tcPr marL="9525" marR="9525" marT="9525" marB="0" anchor="b"/>
+                </a:tc>
+                <a:tc>
+                  <a:txBody>
+                    <a:bodyPr/>
+                    <a:lstStyle/>
+                    <a:p>
+                      <a:pPr algn="l" fontAlgn="b"/>
+                      <a:r>
+                        <a:rPr lang="de-DE" sz="1000" b="0" i="0" u="none" strike="noStrike" dirty="0">
+                          <a:solidFill>
+                            <a:schemeClr val="bg1"/>
+                          </a:solidFill>
+                          <a:effectLst/>
+                          <a:latin typeface="Calibri" panose="020F0502020204030204" pitchFamily="34" charset="0"/>
+                        </a:rPr>
+                        <a:t>halt</a:t>
+                      </a:r>
+                    </a:p>
+                  </a:txBody>
+                  <a:tcPr marL="9525" marR="9525" marT="9525" marB="0" anchor="b">
+                    <a:solidFill>
+                      <a:schemeClr val="tx2"/>
+                    </a:solidFill>
+                  </a:tcPr>
+                </a:tc>
+              </a:tr>
+              <a:tr h="101408">
+                <a:tc>
+                  <a:txBody>
+                    <a:bodyPr/>
+                    <a:lstStyle/>
+                    <a:p>
+                      <a:pPr algn="l" fontAlgn="b"/>
+                      <a:r>
+                        <a:rPr lang="de-DE" sz="1000" b="0" i="0" u="none" strike="noStrike" dirty="0">
+                          <a:solidFill>
+                            <a:srgbClr val="FF0000"/>
+                          </a:solidFill>
+                          <a:effectLst/>
+                          <a:latin typeface="Calibri" panose="020F0502020204030204" pitchFamily="34" charset="0"/>
+                        </a:rPr>
+                        <a:t>schon</a:t>
+                      </a:r>
+                    </a:p>
+                  </a:txBody>
+                  <a:tcPr marL="9525" marR="9525" marT="9525" marB="0" anchor="b"/>
+                </a:tc>
+                <a:tc>
+                  <a:txBody>
+                    <a:bodyPr/>
+                    <a:lstStyle/>
+                    <a:p>
+                      <a:pPr algn="l" fontAlgn="b"/>
+                      <a:r>
+                        <a:rPr lang="de-DE" sz="1000" b="0" i="0" u="none" strike="noStrike" dirty="0">
+                          <a:solidFill>
+                            <a:schemeClr val="bg1"/>
+                          </a:solidFill>
+                          <a:effectLst/>
+                          <a:latin typeface="Calibri" panose="020F0502020204030204" pitchFamily="34" charset="0"/>
+                        </a:rPr>
+                        <a:t>weh</a:t>
+                      </a:r>
+                    </a:p>
+                  </a:txBody>
+                  <a:tcPr marL="9525" marR="9525" marT="9525" marB="0" anchor="b">
+                    <a:solidFill>
+                      <a:schemeClr val="tx2"/>
+                    </a:solidFill>
+                  </a:tcPr>
+                </a:tc>
+              </a:tr>
+              <a:tr h="101408">
+                <a:tc>
+                  <a:txBody>
+                    <a:bodyPr/>
+                    <a:lstStyle/>
+                    <a:p>
+                      <a:pPr algn="l" fontAlgn="b"/>
+                      <a:r>
+                        <a:rPr lang="de-DE" sz="1000" b="0" i="0" u="none" strike="noStrike">
+                          <a:solidFill>
+                            <a:schemeClr val="bg1"/>
+                          </a:solidFill>
+                          <a:effectLst/>
+                          <a:latin typeface="Calibri" panose="020F0502020204030204" pitchFamily="34" charset="0"/>
+                        </a:rPr>
+                        <a:t>mehr</a:t>
+                      </a:r>
+                    </a:p>
+                  </a:txBody>
+                  <a:tcPr marL="9525" marR="9525" marT="9525" marB="0" anchor="b"/>
+                </a:tc>
+                <a:tc>
+                  <a:txBody>
+                    <a:bodyPr/>
+                    <a:lstStyle/>
+                    <a:p>
+                      <a:pPr algn="l" fontAlgn="b"/>
+                      <a:r>
+                        <a:rPr lang="de-DE" sz="1000" b="0" i="0" u="none" strike="noStrike" dirty="0" err="1">
+                          <a:solidFill>
+                            <a:schemeClr val="bg1"/>
+                          </a:solidFill>
+                          <a:effectLst/>
+                          <a:latin typeface="Calibri" panose="020F0502020204030204" pitchFamily="34" charset="0"/>
+                        </a:rPr>
+                        <a:t>alls</a:t>
+                      </a:r>
+                      <a:endParaRPr lang="de-DE" sz="1000" b="0" i="0" u="none" strike="noStrike" dirty="0">
+                        <a:solidFill>
+                          <a:schemeClr val="bg1"/>
+                        </a:solidFill>
+                        <a:effectLst/>
+                        <a:latin typeface="Calibri" panose="020F0502020204030204" pitchFamily="34" charset="0"/>
+                      </a:endParaRPr>
+                    </a:p>
+                  </a:txBody>
+                  <a:tcPr marL="9525" marR="9525" marT="9525" marB="0" anchor="b">
+                    <a:solidFill>
+                      <a:schemeClr val="tx2"/>
+                    </a:solidFill>
+                  </a:tcPr>
+                </a:tc>
+              </a:tr>
+              <a:tr h="101408">
+                <a:tc>
+                  <a:txBody>
+                    <a:bodyPr/>
+                    <a:lstStyle/>
+                    <a:p>
+                      <a:pPr algn="l" fontAlgn="b"/>
+                      <a:r>
+                        <a:rPr lang="de-DE" sz="1000" b="0" i="0" u="none" strike="noStrike" dirty="0">
+                          <a:solidFill>
+                            <a:schemeClr val="bg1"/>
+                          </a:solidFill>
+                          <a:effectLst/>
+                          <a:latin typeface="Calibri" panose="020F0502020204030204" pitchFamily="34" charset="0"/>
+                        </a:rPr>
+                        <a:t>lieben</a:t>
+                      </a:r>
+                    </a:p>
+                  </a:txBody>
+                  <a:tcPr marL="9525" marR="9525" marT="9525" marB="0" anchor="b"/>
+                </a:tc>
+                <a:tc>
+                  <a:txBody>
+                    <a:bodyPr/>
+                    <a:lstStyle/>
+                    <a:p>
+                      <a:pPr algn="l" fontAlgn="b"/>
+                      <a:r>
+                        <a:rPr lang="de-DE" sz="1000" b="0" i="0" u="none" strike="noStrike" dirty="0" err="1">
+                          <a:solidFill>
+                            <a:schemeClr val="bg1"/>
+                          </a:solidFill>
+                          <a:effectLst/>
+                          <a:latin typeface="Calibri" panose="020F0502020204030204" pitchFamily="34" charset="0"/>
+                        </a:rPr>
+                        <a:t>stund</a:t>
+                      </a:r>
+                      <a:endParaRPr lang="de-DE" sz="1000" b="0" i="0" u="none" strike="noStrike" dirty="0">
+                        <a:solidFill>
+                          <a:schemeClr val="bg1"/>
+                        </a:solidFill>
+                        <a:effectLst/>
+                        <a:latin typeface="Calibri" panose="020F0502020204030204" pitchFamily="34" charset="0"/>
+                      </a:endParaRPr>
+                    </a:p>
+                  </a:txBody>
+                  <a:tcPr marL="9525" marR="9525" marT="9525" marB="0" anchor="b">
+                    <a:solidFill>
+                      <a:schemeClr val="tx2"/>
+                    </a:solidFill>
+                  </a:tcPr>
+                </a:tc>
+              </a:tr>
+            </a:tbl>
+          </a:graphicData>
+        </a:graphic>
+      </p:graphicFrame>
+    </p:spTree>
+    <p:extLst>
+      <p:ext uri="{BB962C8B-B14F-4D97-AF65-F5344CB8AC3E}">
+        <p14:creationId xmlns:p14="http://schemas.microsoft.com/office/powerpoint/2010/main" val="618027935"/>
+      </p:ext>
+    </p:extLst>
+  </p:cSld>
+  <p:clrMapOvr>
+    <a:masterClrMapping/>
+  </p:clrMapOvr>
+  <p:timing>
+    <p:tnLst>
+      <p:par>
+        <p:cTn id="1" dur="indefinite" restart="never" nodeType="tmRoot"/>
+      </p:par>
+    </p:tnLst>
+  </p:timing>
+</p:sld>
+</file>
+
+<file path=ppt/slides/slide4.xml><?xml version="1.0" encoding="utf-8"?>
+<p:sld xmlns:a="http://schemas.openxmlformats.org/drawingml/2006/main" xmlns:r="http://schemas.openxmlformats.org/officeDocument/2006/relationships" xmlns:p="http://schemas.openxmlformats.org/presentationml/2006/main">
+  <p:cSld>
+    <p:spTree>
+      <p:nvGrpSpPr>
+        <p:cNvPr id="1" name=""/>
+        <p:cNvGrpSpPr/>
+        <p:nvPr/>
+      </p:nvGrpSpPr>
+      <p:grpSpPr>
+        <a:xfrm>
+          <a:off x="0" y="0"/>
+          <a:ext cx="0" cy="0"/>
+          <a:chOff x="0" y="0"/>
+          <a:chExt cx="0" cy="0"/>
+        </a:xfrm>
+      </p:grpSpPr>
+      <p:sp>
+        <p:nvSpPr>
+          <p:cNvPr id="4" name="Rectangle 4"/>
+          <p:cNvSpPr>
+            <a:spLocks noChangeArrowheads="1"/>
+          </p:cNvSpPr>
+          <p:nvPr/>
+        </p:nvSpPr>
+        <p:spPr bwMode="auto">
+          <a:xfrm>
+            <a:off x="101600" y="82468"/>
+            <a:ext cx="8940800" cy="260603"/>
+          </a:xfrm>
+          <a:prstGeom prst="rect">
+            <a:avLst/>
+          </a:prstGeom>
+          <a:solidFill>
+            <a:srgbClr val="B90F22"/>
+          </a:solidFill>
+          <a:ln w="3175">
+            <a:noFill/>
+            <a:miter lim="800000"/>
+            <a:headEnd/>
+            <a:tailEnd/>
+          </a:ln>
+        </p:spPr>
+        <p:txBody>
+          <a:bodyPr/>
+          <a:lstStyle/>
+          <a:p>
+            <a:endParaRPr lang="de-DE"/>
+          </a:p>
+        </p:txBody>
+      </p:sp>
+      <p:sp>
+        <p:nvSpPr>
+          <p:cNvPr id="6" name="Line 23"/>
+          <p:cNvSpPr>
+            <a:spLocks noChangeShapeType="1"/>
+          </p:cNvSpPr>
+          <p:nvPr/>
+        </p:nvSpPr>
+        <p:spPr bwMode="auto">
+          <a:xfrm flipV="1">
+            <a:off x="101600" y="387521"/>
+            <a:ext cx="8940800" cy="0"/>
+          </a:xfrm>
+          <a:prstGeom prst="line">
+            <a:avLst/>
+          </a:prstGeom>
+          <a:noFill/>
+          <a:ln w="15240">
+            <a:solidFill>
+              <a:srgbClr val="000000"/>
+            </a:solidFill>
+            <a:round/>
+            <a:headEnd/>
+            <a:tailEnd/>
+          </a:ln>
+        </p:spPr>
+        <p:txBody>
+          <a:bodyPr/>
+          <a:lstStyle/>
+          <a:p>
+            <a:endParaRPr lang="de-DE"/>
+          </a:p>
+        </p:txBody>
+      </p:sp>
+      <p:sp>
+        <p:nvSpPr>
+          <p:cNvPr id="8" name="Line 28"/>
+          <p:cNvSpPr>
+            <a:spLocks noChangeShapeType="1"/>
+          </p:cNvSpPr>
+          <p:nvPr/>
+        </p:nvSpPr>
+        <p:spPr bwMode="auto">
+          <a:xfrm>
+            <a:off x="-984250" y="9967913"/>
+            <a:ext cx="6478588" cy="0"/>
+          </a:xfrm>
+          <a:prstGeom prst="line">
+            <a:avLst/>
+          </a:prstGeom>
+          <a:noFill/>
+          <a:ln w="7620">
+            <a:solidFill>
+              <a:srgbClr val="000000"/>
+            </a:solidFill>
+            <a:round/>
+            <a:headEnd/>
+            <a:tailEnd/>
+          </a:ln>
+        </p:spPr>
+        <p:txBody>
+          <a:bodyPr/>
+          <a:lstStyle/>
+          <a:p>
+            <a:endParaRPr lang="de-DE"/>
+          </a:p>
+        </p:txBody>
+      </p:sp>
+      <p:sp>
+        <p:nvSpPr>
+          <p:cNvPr id="14" name="Line 23"/>
+          <p:cNvSpPr>
+            <a:spLocks noChangeShapeType="1"/>
+          </p:cNvSpPr>
+          <p:nvPr/>
+        </p:nvSpPr>
+        <p:spPr bwMode="auto">
+          <a:xfrm flipV="1">
+            <a:off x="101600" y="6311899"/>
+            <a:ext cx="8940800" cy="1"/>
+          </a:xfrm>
+          <a:prstGeom prst="line">
+            <a:avLst/>
+          </a:prstGeom>
+          <a:noFill/>
+          <a:ln w="15240">
+            <a:solidFill>
+              <a:srgbClr val="000000"/>
+            </a:solidFill>
+            <a:round/>
+            <a:headEnd/>
+            <a:tailEnd/>
+          </a:ln>
+        </p:spPr>
+        <p:txBody>
+          <a:bodyPr/>
+          <a:lstStyle/>
+          <a:p>
+            <a:endParaRPr lang="de-DE"/>
+          </a:p>
+        </p:txBody>
+      </p:sp>
+      <p:pic>
+        <p:nvPicPr>
+          <p:cNvPr id="15" name="Picture 24" descr="tud_logo"/>
+          <p:cNvPicPr>
+            <a:picLocks noChangeAspect="1" noChangeArrowheads="1"/>
+          </p:cNvPicPr>
+          <p:nvPr/>
+        </p:nvPicPr>
+        <p:blipFill>
+          <a:blip r:embed="rId3" cstate="print"/>
+          <a:srcRect/>
+          <a:stretch>
+            <a:fillRect/>
+          </a:stretch>
+        </p:blipFill>
+        <p:spPr bwMode="auto">
+          <a:xfrm>
+            <a:off x="7162796" y="431972"/>
+            <a:ext cx="1981204" cy="792482"/>
+          </a:xfrm>
+          <a:prstGeom prst="rect">
+            <a:avLst/>
+          </a:prstGeom>
+          <a:noFill/>
+        </p:spPr>
+      </p:pic>
+      <p:sp>
+        <p:nvSpPr>
+          <p:cNvPr id="16" name="Datumsplatzhalter 15"/>
+          <p:cNvSpPr>
+            <a:spLocks noGrp="1"/>
+          </p:cNvSpPr>
+          <p:nvPr>
+            <p:ph type="dt" sz="half" idx="10"/>
+          </p:nvPr>
+        </p:nvSpPr>
+        <p:spPr/>
+        <p:txBody>
+          <a:bodyPr/>
+          <a:lstStyle/>
+          <a:p>
+            <a:fld id="{D39B93D3-AA18-4D2F-93EC-56712FB7A759}" type="datetime1">
+              <a:rPr lang="de-DE" smtClean="0"/>
+              <a:t>01.05.2015</a:t>
+            </a:fld>
+            <a:endParaRPr lang="de-DE"/>
+          </a:p>
+        </p:txBody>
+      </p:sp>
+      <p:sp>
+        <p:nvSpPr>
+          <p:cNvPr id="17" name="Fußzeilenplatzhalter 16"/>
+          <p:cNvSpPr>
+            <a:spLocks noGrp="1"/>
+          </p:cNvSpPr>
+          <p:nvPr>
+            <p:ph type="ftr" sz="quarter" idx="11"/>
+          </p:nvPr>
+        </p:nvSpPr>
+        <p:spPr/>
+        <p:txBody>
+          <a:bodyPr/>
+          <a:lstStyle/>
+          <a:p>
+            <a:r>
+              <a:rPr lang="de-DE" dirty="0" smtClean="0"/>
+              <a:t>Web-Mining Übung 1 Gruppe </a:t>
+            </a:r>
+            <a:endParaRPr lang="de-DE" dirty="0"/>
+          </a:p>
+        </p:txBody>
+      </p:sp>
+      <p:sp>
+        <p:nvSpPr>
+          <p:cNvPr id="18" name="Foliennummernplatzhalter 17"/>
+          <p:cNvSpPr>
+            <a:spLocks noGrp="1"/>
+          </p:cNvSpPr>
+          <p:nvPr>
+            <p:ph type="sldNum" sz="quarter" idx="12"/>
+          </p:nvPr>
+        </p:nvSpPr>
+        <p:spPr/>
+        <p:txBody>
+          <a:bodyPr/>
+          <a:lstStyle/>
+          <a:p>
+            <a:fld id="{2330A4B3-4A2D-41F8-ABB6-3A93FC7C65B9}" type="slidenum">
+              <a:rPr lang="de-DE" smtClean="0"/>
+              <a:t>4</a:t>
             </a:fld>
             <a:endParaRPr lang="de-DE"/>
           </a:p>
@@ -4813,10 +9459,17 @@
   <p:clrMapOvr>
     <a:masterClrMapping/>
   </p:clrMapOvr>
+  <p:timing>
+    <p:tnLst>
+      <p:par>
+        <p:cTn id="1" dur="indefinite" restart="never" nodeType="tmRoot"/>
+      </p:par>
+    </p:tnLst>
+  </p:timing>
 </p:sld>
 </file>
 
-<file path=ppt/slides/slide4.xml><?xml version="1.0" encoding="utf-8"?>
+<file path=ppt/slides/slide5.xml><?xml version="1.0" encoding="utf-8"?>
 <p:sld xmlns:a="http://schemas.openxmlformats.org/drawingml/2006/main" xmlns:r="http://schemas.openxmlformats.org/officeDocument/2006/relationships" xmlns:p="http://schemas.openxmlformats.org/presentationml/2006/main">
   <p:cSld>
     <p:spTree>
@@ -5012,7 +9665,7 @@
           <a:p>
             <a:fld id="{D39B93D3-AA18-4D2F-93EC-56712FB7A759}" type="datetime1">
               <a:rPr lang="de-DE" smtClean="0"/>
-              <a:t>28.04.2015</a:t>
+              <a:t>01.05.2015</a:t>
             </a:fld>
             <a:endParaRPr lang="de-DE"/>
           </a:p>
@@ -5058,7 +9711,7 @@
           <a:p>
             <a:fld id="{2330A4B3-4A2D-41F8-ABB6-3A93FC7C65B9}" type="slidenum">
               <a:rPr lang="de-DE" smtClean="0"/>
-              <a:t>4</a:t>
+              <a:t>5</a:t>
             </a:fld>
             <a:endParaRPr lang="de-DE"/>
           </a:p>
@@ -5174,7 +9827,7 @@
 </p:sld>
 </file>
 
-<file path=ppt/slides/slide5.xml><?xml version="1.0" encoding="utf-8"?>
+<file path=ppt/slides/slide6.xml><?xml version="1.0" encoding="utf-8"?>
 <p:sld xmlns:a="http://schemas.openxmlformats.org/drawingml/2006/main" xmlns:r="http://schemas.openxmlformats.org/officeDocument/2006/relationships" xmlns:p="http://schemas.openxmlformats.org/presentationml/2006/main">
   <p:cSld>
     <p:spTree>
@@ -5370,7 +10023,7 @@
           <a:p>
             <a:fld id="{D39B93D3-AA18-4D2F-93EC-56712FB7A759}" type="datetime1">
               <a:rPr lang="de-DE" smtClean="0"/>
-              <a:t>28.04.2015</a:t>
+              <a:t>01.05.2015</a:t>
             </a:fld>
             <a:endParaRPr lang="de-DE"/>
           </a:p>
@@ -5416,7 +10069,7 @@
           <a:p>
             <a:fld id="{2330A4B3-4A2D-41F8-ABB6-3A93FC7C65B9}" type="slidenum">
               <a:rPr lang="de-DE" smtClean="0"/>
-              <a:t>5</a:t>
+              <a:t>6</a:t>
             </a:fld>
             <a:endParaRPr lang="de-DE"/>
           </a:p>
@@ -5483,11 +10136,7 @@
           <a:p>
             <a:r>
               <a:rPr lang="de-DE" sz="2400" b="1" dirty="0" smtClean="0"/>
-              <a:t>Aufgabe </a:t>
-            </a:r>
-            <a:r>
-              <a:rPr lang="de-DE" sz="2400" b="1" dirty="0" smtClean="0"/>
-              <a:t>4</a:t>
+              <a:t>Aufgabe 4</a:t>
             </a:r>
             <a:r>
               <a:rPr lang="de-DE" dirty="0" smtClean="0"/>
